--- a/CS 4670 – Final Project.pptx
+++ b/CS 4670 – Final Project.pptx
@@ -6,27 +6,42 @@
   </p:sldMasterIdLst>
   <p:sldIdLst>
     <p:sldId id="256" r:id="rId2"/>
-    <p:sldId id="264" r:id="rId3"/>
-    <p:sldId id="257" r:id="rId4"/>
-    <p:sldId id="258" r:id="rId5"/>
-    <p:sldId id="259" r:id="rId6"/>
-    <p:sldId id="260" r:id="rId7"/>
-    <p:sldId id="261" r:id="rId8"/>
-    <p:sldId id="262" r:id="rId9"/>
-    <p:sldId id="263" r:id="rId10"/>
-    <p:sldId id="265" r:id="rId11"/>
-    <p:sldId id="266" r:id="rId12"/>
-    <p:sldId id="277" r:id="rId13"/>
-    <p:sldId id="276" r:id="rId14"/>
-    <p:sldId id="267" r:id="rId15"/>
-    <p:sldId id="268" r:id="rId16"/>
-    <p:sldId id="269" r:id="rId17"/>
-    <p:sldId id="271" r:id="rId18"/>
-    <p:sldId id="270" r:id="rId19"/>
-    <p:sldId id="272" r:id="rId20"/>
-    <p:sldId id="273" r:id="rId21"/>
-    <p:sldId id="274" r:id="rId22"/>
-    <p:sldId id="275" r:id="rId23"/>
+    <p:sldId id="293" r:id="rId3"/>
+    <p:sldId id="278" r:id="rId4"/>
+    <p:sldId id="285" r:id="rId5"/>
+    <p:sldId id="287" r:id="rId6"/>
+    <p:sldId id="286" r:id="rId7"/>
+    <p:sldId id="289" r:id="rId8"/>
+    <p:sldId id="290" r:id="rId9"/>
+    <p:sldId id="291" r:id="rId10"/>
+    <p:sldId id="264" r:id="rId11"/>
+    <p:sldId id="257" r:id="rId12"/>
+    <p:sldId id="281" r:id="rId13"/>
+    <p:sldId id="280" r:id="rId14"/>
+    <p:sldId id="282" r:id="rId15"/>
+    <p:sldId id="279" r:id="rId16"/>
+    <p:sldId id="258" r:id="rId17"/>
+    <p:sldId id="259" r:id="rId18"/>
+    <p:sldId id="260" r:id="rId19"/>
+    <p:sldId id="261" r:id="rId20"/>
+    <p:sldId id="262" r:id="rId21"/>
+    <p:sldId id="263" r:id="rId22"/>
+    <p:sldId id="265" r:id="rId23"/>
+    <p:sldId id="292" r:id="rId24"/>
+    <p:sldId id="283" r:id="rId25"/>
+    <p:sldId id="284" r:id="rId26"/>
+    <p:sldId id="266" r:id="rId27"/>
+    <p:sldId id="277" r:id="rId28"/>
+    <p:sldId id="276" r:id="rId29"/>
+    <p:sldId id="267" r:id="rId30"/>
+    <p:sldId id="268" r:id="rId31"/>
+    <p:sldId id="269" r:id="rId32"/>
+    <p:sldId id="271" r:id="rId33"/>
+    <p:sldId id="270" r:id="rId34"/>
+    <p:sldId id="272" r:id="rId35"/>
+    <p:sldId id="273" r:id="rId36"/>
+    <p:sldId id="274" r:id="rId37"/>
+    <p:sldId id="275" r:id="rId38"/>
   </p:sldIdLst>
   <p:sldSz cx="12192000" cy="6858000"/>
   <p:notesSz cx="6858000" cy="9144000"/>
@@ -5567,7 +5582,7 @@
           <a:p>
             <a:r>
               <a:rPr lang="en-US" dirty="0" smtClean="0"/>
-              <a:t>CS 4670 – Final Project</a:t>
+              <a:t>Michael Richardson</a:t>
             </a:r>
             <a:endParaRPr lang="en-US" dirty="0"/>
           </a:p>
@@ -5590,7 +5605,15 @@
           <a:p>
             <a:r>
               <a:rPr lang="en-US" dirty="0"/>
-              <a:t>MULTI-PLATFORM, MULTI-PLAYER, PLATFORM FOR GAMES</a:t>
+              <a:t>MULTI-PLATFORM, MULTI-PLAYER, </a:t>
+            </a:r>
+            <a:r>
+              <a:rPr lang="en-US" dirty="0" smtClean="0"/>
+              <a:t>FRAMEWORK </a:t>
+            </a:r>
+            <a:r>
+              <a:rPr lang="en-US" dirty="0"/>
+              <a:t>FOR GAMES</a:t>
             </a:r>
           </a:p>
           <a:p>
@@ -5608,6 +5631,13 @@
   <p:clrMapOvr>
     <a:masterClrMapping/>
   </p:clrMapOvr>
+  <p:timing>
+    <p:tnLst>
+      <p:par>
+        <p:cTn id="1" dur="indefinite" restart="never" nodeType="tmRoot"/>
+      </p:par>
+    </p:tnLst>
+  </p:timing>
 </p:sld>
 </file>
 
@@ -5645,7 +5675,7 @@
           <a:p>
             <a:r>
               <a:rPr lang="en-US" dirty="0" smtClean="0"/>
-              <a:t>Responsive UI</a:t>
+              <a:t>Design</a:t>
             </a:r>
             <a:endParaRPr lang="en-US" dirty="0"/>
           </a:p>
@@ -5667,12 +5697,1212 @@
           <a:lstStyle/>
           <a:p>
             <a:r>
+              <a:rPr lang="en-US" dirty="0" smtClean="0"/>
+              <a:t>Network Architecture</a:t>
+            </a:r>
+          </a:p>
+          <a:p>
+            <a:r>
+              <a:rPr lang="en-US" dirty="0" smtClean="0"/>
+              <a:t>Logic</a:t>
+            </a:r>
+          </a:p>
+          <a:p>
+            <a:r>
+              <a:rPr lang="en-US" dirty="0" smtClean="0"/>
+              <a:t>Dialogues</a:t>
+            </a:r>
+          </a:p>
+          <a:p>
+            <a:r>
+              <a:rPr lang="en-US" dirty="0" smtClean="0"/>
+              <a:t>Interface</a:t>
+            </a:r>
+          </a:p>
+        </p:txBody>
+      </p:sp>
+    </p:spTree>
+    <p:extLst>
+      <p:ext uri="{BB962C8B-B14F-4D97-AF65-F5344CB8AC3E}">
+        <p14:creationId xmlns:p14="http://schemas.microsoft.com/office/powerpoint/2010/main" val="495362691"/>
+      </p:ext>
+    </p:extLst>
+  </p:cSld>
+  <p:clrMapOvr>
+    <a:masterClrMapping/>
+  </p:clrMapOvr>
+  <p:timing>
+    <p:tnLst>
+      <p:par>
+        <p:cTn id="1" dur="indefinite" restart="never" nodeType="tmRoot"/>
+      </p:par>
+    </p:tnLst>
+  </p:timing>
+</p:sld>
+</file>
+
+<file path=ppt/slides/slide11.xml><?xml version="1.0" encoding="utf-8"?>
+<p:sld xmlns:a="http://schemas.openxmlformats.org/drawingml/2006/main" xmlns:r="http://schemas.openxmlformats.org/officeDocument/2006/relationships" xmlns:p="http://schemas.openxmlformats.org/presentationml/2006/main">
+  <p:cSld>
+    <p:spTree>
+      <p:nvGrpSpPr>
+        <p:cNvPr id="1" name=""/>
+        <p:cNvGrpSpPr/>
+        <p:nvPr/>
+      </p:nvGrpSpPr>
+      <p:grpSpPr>
+        <a:xfrm>
+          <a:off x="0" y="0"/>
+          <a:ext cx="0" cy="0"/>
+          <a:chOff x="0" y="0"/>
+          <a:chExt cx="0" cy="0"/>
+        </a:xfrm>
+      </p:grpSpPr>
+      <p:sp>
+        <p:nvSpPr>
+          <p:cNvPr id="2" name="Title 1"/>
+          <p:cNvSpPr>
+            <a:spLocks noGrp="1"/>
+          </p:cNvSpPr>
+          <p:nvPr>
+            <p:ph type="title"/>
+          </p:nvPr>
+        </p:nvSpPr>
+        <p:spPr/>
+        <p:txBody>
+          <a:bodyPr/>
+          <a:lstStyle/>
+          <a:p>
+            <a:r>
+              <a:rPr lang="en-US" dirty="0" smtClean="0"/>
+              <a:t>Network Architecture</a:t>
+            </a:r>
+            <a:endParaRPr lang="en-US" dirty="0"/>
+          </a:p>
+        </p:txBody>
+      </p:sp>
+      <p:pic>
+        <p:nvPicPr>
+          <p:cNvPr id="4" name="Content Placeholder 3"/>
+          <p:cNvPicPr>
+            <a:picLocks noGrp="1" noChangeAspect="1"/>
+          </p:cNvPicPr>
+          <p:nvPr>
+            <p:ph idx="1"/>
+          </p:nvPr>
+        </p:nvPicPr>
+        <p:blipFill rotWithShape="1">
+          <a:blip r:embed="rId2">
+            <a:extLst>
+              <a:ext uri="{28A0092B-C50C-407E-A947-70E740481C1C}">
+                <a14:useLocalDpi xmlns:a14="http://schemas.microsoft.com/office/drawing/2010/main" val="0"/>
+              </a:ext>
+            </a:extLst>
+          </a:blip>
+          <a:srcRect t="15335"/>
+          <a:stretch/>
+        </p:blipFill>
+        <p:spPr>
+          <a:xfrm>
+            <a:off x="2772352" y="2643809"/>
+            <a:ext cx="6636644" cy="4214191"/>
+          </a:xfrm>
+        </p:spPr>
+      </p:pic>
+    </p:spTree>
+    <p:extLst>
+      <p:ext uri="{BB962C8B-B14F-4D97-AF65-F5344CB8AC3E}">
+        <p14:creationId xmlns:p14="http://schemas.microsoft.com/office/powerpoint/2010/main" val="3270216534"/>
+      </p:ext>
+    </p:extLst>
+  </p:cSld>
+  <p:clrMapOvr>
+    <a:masterClrMapping/>
+  </p:clrMapOvr>
+  <p:timing>
+    <p:tnLst>
+      <p:par>
+        <p:cTn id="1" dur="indefinite" restart="never" nodeType="tmRoot"/>
+      </p:par>
+    </p:tnLst>
+  </p:timing>
+</p:sld>
+</file>
+
+<file path=ppt/slides/slide12.xml><?xml version="1.0" encoding="utf-8"?>
+<p:sld xmlns:a="http://schemas.openxmlformats.org/drawingml/2006/main" xmlns:r="http://schemas.openxmlformats.org/officeDocument/2006/relationships" xmlns:p="http://schemas.openxmlformats.org/presentationml/2006/main">
+  <p:cSld>
+    <p:spTree>
+      <p:nvGrpSpPr>
+        <p:cNvPr id="1" name=""/>
+        <p:cNvGrpSpPr/>
+        <p:nvPr/>
+      </p:nvGrpSpPr>
+      <p:grpSpPr>
+        <a:xfrm>
+          <a:off x="0" y="0"/>
+          <a:ext cx="0" cy="0"/>
+          <a:chOff x="0" y="0"/>
+          <a:chExt cx="0" cy="0"/>
+        </a:xfrm>
+      </p:grpSpPr>
+      <p:sp>
+        <p:nvSpPr>
+          <p:cNvPr id="2" name="Title 1"/>
+          <p:cNvSpPr>
+            <a:spLocks noGrp="1"/>
+          </p:cNvSpPr>
+          <p:nvPr>
+            <p:ph type="title"/>
+          </p:nvPr>
+        </p:nvSpPr>
+        <p:spPr/>
+        <p:txBody>
+          <a:bodyPr/>
+          <a:lstStyle/>
+          <a:p>
+            <a:r>
+              <a:rPr lang="en-US" dirty="0" smtClean="0"/>
+              <a:t>Network Architecture (Option)</a:t>
+            </a:r>
+            <a:endParaRPr lang="en-US" dirty="0"/>
+          </a:p>
+        </p:txBody>
+      </p:sp>
+      <p:pic>
+        <p:nvPicPr>
+          <p:cNvPr id="4" name="Content Placeholder 3"/>
+          <p:cNvPicPr>
+            <a:picLocks noGrp="1" noChangeAspect="1"/>
+          </p:cNvPicPr>
+          <p:nvPr>
+            <p:ph idx="1"/>
+          </p:nvPr>
+        </p:nvPicPr>
+        <p:blipFill rotWithShape="1">
+          <a:blip r:embed="rId2">
+            <a:extLst>
+              <a:ext uri="{28A0092B-C50C-407E-A947-70E740481C1C}">
+                <a14:useLocalDpi xmlns:a14="http://schemas.microsoft.com/office/drawing/2010/main" val="0"/>
+              </a:ext>
+            </a:extLst>
+          </a:blip>
+          <a:srcRect t="14936"/>
+          <a:stretch/>
+        </p:blipFill>
+        <p:spPr>
+          <a:xfrm>
+            <a:off x="2772352" y="2623930"/>
+            <a:ext cx="6636644" cy="4234070"/>
+          </a:xfrm>
+        </p:spPr>
+      </p:pic>
+    </p:spTree>
+    <p:extLst>
+      <p:ext uri="{BB962C8B-B14F-4D97-AF65-F5344CB8AC3E}">
+        <p14:creationId xmlns:p14="http://schemas.microsoft.com/office/powerpoint/2010/main" val="1469445732"/>
+      </p:ext>
+    </p:extLst>
+  </p:cSld>
+  <p:clrMapOvr>
+    <a:masterClrMapping/>
+  </p:clrMapOvr>
+  <p:timing>
+    <p:tnLst>
+      <p:par>
+        <p:cTn id="1" dur="indefinite" restart="never" nodeType="tmRoot"/>
+      </p:par>
+    </p:tnLst>
+  </p:timing>
+</p:sld>
+</file>
+
+<file path=ppt/slides/slide13.xml><?xml version="1.0" encoding="utf-8"?>
+<p:sld xmlns:a="http://schemas.openxmlformats.org/drawingml/2006/main" xmlns:r="http://schemas.openxmlformats.org/officeDocument/2006/relationships" xmlns:p="http://schemas.openxmlformats.org/presentationml/2006/main">
+  <p:cSld>
+    <p:spTree>
+      <p:nvGrpSpPr>
+        <p:cNvPr id="1" name=""/>
+        <p:cNvGrpSpPr/>
+        <p:nvPr/>
+      </p:nvGrpSpPr>
+      <p:grpSpPr>
+        <a:xfrm>
+          <a:off x="0" y="0"/>
+          <a:ext cx="0" cy="0"/>
+          <a:chOff x="0" y="0"/>
+          <a:chExt cx="0" cy="0"/>
+        </a:xfrm>
+      </p:grpSpPr>
+      <p:sp>
+        <p:nvSpPr>
+          <p:cNvPr id="2" name="Title 1"/>
+          <p:cNvSpPr>
+            <a:spLocks noGrp="1"/>
+          </p:cNvSpPr>
+          <p:nvPr>
+            <p:ph type="title"/>
+          </p:nvPr>
+        </p:nvSpPr>
+        <p:spPr/>
+        <p:txBody>
+          <a:bodyPr/>
+          <a:lstStyle/>
+          <a:p>
+            <a:r>
+              <a:rPr lang="en-US" dirty="0" smtClean="0"/>
+              <a:t>Network Architecture</a:t>
+            </a:r>
+            <a:r>
               <a:rPr lang="en-US" dirty="0"/>
-              <a:t>Desktop </a:t>
-            </a:r>
+              <a:t> (Option)</a:t>
+            </a:r>
+          </a:p>
+        </p:txBody>
+      </p:sp>
+      <p:pic>
+        <p:nvPicPr>
+          <p:cNvPr id="4" name="Content Placeholder 3"/>
+          <p:cNvPicPr>
+            <a:picLocks noGrp="1" noChangeAspect="1"/>
+          </p:cNvPicPr>
+          <p:nvPr>
+            <p:ph idx="1"/>
+          </p:nvPr>
+        </p:nvPicPr>
+        <p:blipFill rotWithShape="1">
+          <a:blip r:embed="rId2">
+            <a:extLst>
+              <a:ext uri="{28A0092B-C50C-407E-A947-70E740481C1C}">
+                <a14:useLocalDpi xmlns:a14="http://schemas.microsoft.com/office/drawing/2010/main" val="0"/>
+              </a:ext>
+            </a:extLst>
+          </a:blip>
+          <a:srcRect t="15904"/>
+          <a:stretch/>
+        </p:blipFill>
+        <p:spPr>
+          <a:xfrm>
+            <a:off x="2772352" y="2653748"/>
+            <a:ext cx="6636644" cy="4204252"/>
+          </a:xfrm>
+        </p:spPr>
+      </p:pic>
+    </p:spTree>
+    <p:extLst>
+      <p:ext uri="{BB962C8B-B14F-4D97-AF65-F5344CB8AC3E}">
+        <p14:creationId xmlns:p14="http://schemas.microsoft.com/office/powerpoint/2010/main" val="17745619"/>
+      </p:ext>
+    </p:extLst>
+  </p:cSld>
+  <p:clrMapOvr>
+    <a:masterClrMapping/>
+  </p:clrMapOvr>
+  <p:timing>
+    <p:tnLst>
+      <p:par>
+        <p:cTn id="1" dur="indefinite" restart="never" nodeType="tmRoot"/>
+      </p:par>
+    </p:tnLst>
+  </p:timing>
+</p:sld>
+</file>
+
+<file path=ppt/slides/slide14.xml><?xml version="1.0" encoding="utf-8"?>
+<p:sld xmlns:a="http://schemas.openxmlformats.org/drawingml/2006/main" xmlns:r="http://schemas.openxmlformats.org/officeDocument/2006/relationships" xmlns:p="http://schemas.openxmlformats.org/presentationml/2006/main">
+  <p:cSld>
+    <p:spTree>
+      <p:nvGrpSpPr>
+        <p:cNvPr id="1" name=""/>
+        <p:cNvGrpSpPr/>
+        <p:nvPr/>
+      </p:nvGrpSpPr>
+      <p:grpSpPr>
+        <a:xfrm>
+          <a:off x="0" y="0"/>
+          <a:ext cx="0" cy="0"/>
+          <a:chOff x="0" y="0"/>
+          <a:chExt cx="0" cy="0"/>
+        </a:xfrm>
+      </p:grpSpPr>
+      <p:sp>
+        <p:nvSpPr>
+          <p:cNvPr id="2" name="Title 1"/>
+          <p:cNvSpPr>
+            <a:spLocks noGrp="1"/>
+          </p:cNvSpPr>
+          <p:nvPr>
+            <p:ph type="title"/>
+          </p:nvPr>
+        </p:nvSpPr>
+        <p:spPr/>
+        <p:txBody>
+          <a:bodyPr/>
+          <a:lstStyle/>
+          <a:p>
             <a:r>
               <a:rPr lang="en-US" dirty="0" smtClean="0"/>
-              <a:t> Native</a:t>
+              <a:t>Network Architecture</a:t>
+            </a:r>
+            <a:r>
+              <a:rPr lang="en-US" dirty="0"/>
+              <a:t> (Option)</a:t>
+            </a:r>
+          </a:p>
+        </p:txBody>
+      </p:sp>
+      <p:pic>
+        <p:nvPicPr>
+          <p:cNvPr id="4" name="Content Placeholder 3"/>
+          <p:cNvPicPr>
+            <a:picLocks noGrp="1" noChangeAspect="1"/>
+          </p:cNvPicPr>
+          <p:nvPr>
+            <p:ph idx="1"/>
+          </p:nvPr>
+        </p:nvPicPr>
+        <p:blipFill rotWithShape="1">
+          <a:blip r:embed="rId2">
+            <a:extLst>
+              <a:ext uri="{28A0092B-C50C-407E-A947-70E740481C1C}">
+                <a14:useLocalDpi xmlns:a14="http://schemas.microsoft.com/office/drawing/2010/main" val="0"/>
+              </a:ext>
+            </a:extLst>
+          </a:blip>
+          <a:srcRect t="14736"/>
+          <a:stretch/>
+        </p:blipFill>
+        <p:spPr>
+          <a:xfrm>
+            <a:off x="2772352" y="2613991"/>
+            <a:ext cx="6636644" cy="4244009"/>
+          </a:xfrm>
+        </p:spPr>
+      </p:pic>
+    </p:spTree>
+    <p:extLst>
+      <p:ext uri="{BB962C8B-B14F-4D97-AF65-F5344CB8AC3E}">
+        <p14:creationId xmlns:p14="http://schemas.microsoft.com/office/powerpoint/2010/main" val="4111459829"/>
+      </p:ext>
+    </p:extLst>
+  </p:cSld>
+  <p:clrMapOvr>
+    <a:masterClrMapping/>
+  </p:clrMapOvr>
+  <p:timing>
+    <p:tnLst>
+      <p:par>
+        <p:cTn id="1" dur="indefinite" restart="never" nodeType="tmRoot"/>
+      </p:par>
+    </p:tnLst>
+  </p:timing>
+</p:sld>
+</file>
+
+<file path=ppt/slides/slide15.xml><?xml version="1.0" encoding="utf-8"?>
+<p:sld xmlns:a="http://schemas.openxmlformats.org/drawingml/2006/main" xmlns:r="http://schemas.openxmlformats.org/officeDocument/2006/relationships" xmlns:p="http://schemas.openxmlformats.org/presentationml/2006/main">
+  <p:cSld>
+    <p:spTree>
+      <p:nvGrpSpPr>
+        <p:cNvPr id="1" name=""/>
+        <p:cNvGrpSpPr/>
+        <p:nvPr/>
+      </p:nvGrpSpPr>
+      <p:grpSpPr>
+        <a:xfrm>
+          <a:off x="0" y="0"/>
+          <a:ext cx="0" cy="0"/>
+          <a:chOff x="0" y="0"/>
+          <a:chExt cx="0" cy="0"/>
+        </a:xfrm>
+      </p:grpSpPr>
+      <p:sp>
+        <p:nvSpPr>
+          <p:cNvPr id="2" name="Title 1"/>
+          <p:cNvSpPr>
+            <a:spLocks noGrp="1"/>
+          </p:cNvSpPr>
+          <p:nvPr>
+            <p:ph type="title"/>
+          </p:nvPr>
+        </p:nvSpPr>
+        <p:spPr/>
+        <p:txBody>
+          <a:bodyPr/>
+          <a:lstStyle/>
+          <a:p>
+            <a:r>
+              <a:rPr lang="en-US" dirty="0" smtClean="0"/>
+              <a:t>Network Architecture</a:t>
+            </a:r>
+            <a:r>
+              <a:rPr lang="en-US" dirty="0"/>
+              <a:t> </a:t>
+            </a:r>
+            <a:r>
+              <a:rPr lang="en-US" dirty="0" smtClean="0"/>
+              <a:t>(Choice)</a:t>
+            </a:r>
+            <a:endParaRPr lang="en-US" dirty="0"/>
+          </a:p>
+        </p:txBody>
+      </p:sp>
+      <p:pic>
+        <p:nvPicPr>
+          <p:cNvPr id="4" name="Content Placeholder 3"/>
+          <p:cNvPicPr>
+            <a:picLocks noGrp="1" noChangeAspect="1"/>
+          </p:cNvPicPr>
+          <p:nvPr>
+            <p:ph idx="1"/>
+          </p:nvPr>
+        </p:nvPicPr>
+        <p:blipFill rotWithShape="1">
+          <a:blip r:embed="rId2">
+            <a:extLst>
+              <a:ext uri="{28A0092B-C50C-407E-A947-70E740481C1C}">
+                <a14:useLocalDpi xmlns:a14="http://schemas.microsoft.com/office/drawing/2010/main" val="0"/>
+              </a:ext>
+            </a:extLst>
+          </a:blip>
+          <a:srcRect t="16333"/>
+          <a:stretch/>
+        </p:blipFill>
+        <p:spPr>
+          <a:xfrm>
+            <a:off x="2772352" y="2693504"/>
+            <a:ext cx="6636644" cy="4164496"/>
+          </a:xfrm>
+        </p:spPr>
+      </p:pic>
+    </p:spTree>
+    <p:extLst>
+      <p:ext uri="{BB962C8B-B14F-4D97-AF65-F5344CB8AC3E}">
+        <p14:creationId xmlns:p14="http://schemas.microsoft.com/office/powerpoint/2010/main" val="325680187"/>
+      </p:ext>
+    </p:extLst>
+  </p:cSld>
+  <p:clrMapOvr>
+    <a:masterClrMapping/>
+  </p:clrMapOvr>
+  <p:timing>
+    <p:tnLst>
+      <p:par>
+        <p:cTn id="1" dur="indefinite" restart="never" nodeType="tmRoot"/>
+      </p:par>
+    </p:tnLst>
+  </p:timing>
+</p:sld>
+</file>
+
+<file path=ppt/slides/slide16.xml><?xml version="1.0" encoding="utf-8"?>
+<p:sld xmlns:a="http://schemas.openxmlformats.org/drawingml/2006/main" xmlns:r="http://schemas.openxmlformats.org/officeDocument/2006/relationships" xmlns:p="http://schemas.openxmlformats.org/presentationml/2006/main">
+  <p:cSld>
+    <p:spTree>
+      <p:nvGrpSpPr>
+        <p:cNvPr id="1" name=""/>
+        <p:cNvGrpSpPr/>
+        <p:nvPr/>
+      </p:nvGrpSpPr>
+      <p:grpSpPr>
+        <a:xfrm>
+          <a:off x="0" y="0"/>
+          <a:ext cx="0" cy="0"/>
+          <a:chOff x="0" y="0"/>
+          <a:chExt cx="0" cy="0"/>
+        </a:xfrm>
+      </p:grpSpPr>
+      <p:sp>
+        <p:nvSpPr>
+          <p:cNvPr id="2" name="Title 1"/>
+          <p:cNvSpPr>
+            <a:spLocks noGrp="1"/>
+          </p:cNvSpPr>
+          <p:nvPr>
+            <p:ph type="title"/>
+          </p:nvPr>
+        </p:nvSpPr>
+        <p:spPr/>
+        <p:txBody>
+          <a:bodyPr/>
+          <a:lstStyle/>
+          <a:p>
+            <a:r>
+              <a:rPr lang="en-US" dirty="0" smtClean="0"/>
+              <a:t>Client Logic</a:t>
+            </a:r>
+            <a:endParaRPr lang="en-US" dirty="0"/>
+          </a:p>
+        </p:txBody>
+      </p:sp>
+      <p:pic>
+        <p:nvPicPr>
+          <p:cNvPr id="4" name="Content Placeholder 3"/>
+          <p:cNvPicPr>
+            <a:picLocks noGrp="1" noChangeAspect="1"/>
+          </p:cNvPicPr>
+          <p:nvPr>
+            <p:ph idx="1"/>
+          </p:nvPr>
+        </p:nvPicPr>
+        <p:blipFill>
+          <a:blip r:embed="rId2">
+            <a:extLst>
+              <a:ext uri="{28A0092B-C50C-407E-A947-70E740481C1C}">
+                <a14:useLocalDpi xmlns:a14="http://schemas.microsoft.com/office/drawing/2010/main" val="0"/>
+              </a:ext>
+            </a:extLst>
+          </a:blip>
+          <a:stretch>
+            <a:fillRect/>
+          </a:stretch>
+        </p:blipFill>
+        <p:spPr>
+          <a:xfrm>
+            <a:off x="2661675" y="1513609"/>
+            <a:ext cx="6858000" cy="5209443"/>
+          </a:xfrm>
+        </p:spPr>
+      </p:pic>
+    </p:spTree>
+    <p:extLst>
+      <p:ext uri="{BB962C8B-B14F-4D97-AF65-F5344CB8AC3E}">
+        <p14:creationId xmlns:p14="http://schemas.microsoft.com/office/powerpoint/2010/main" val="366067071"/>
+      </p:ext>
+    </p:extLst>
+  </p:cSld>
+  <p:clrMapOvr>
+    <a:masterClrMapping/>
+  </p:clrMapOvr>
+  <p:timing>
+    <p:tnLst>
+      <p:par>
+        <p:cTn id="1" dur="indefinite" restart="never" nodeType="tmRoot"/>
+      </p:par>
+    </p:tnLst>
+  </p:timing>
+</p:sld>
+</file>
+
+<file path=ppt/slides/slide17.xml><?xml version="1.0" encoding="utf-8"?>
+<p:sld xmlns:a="http://schemas.openxmlformats.org/drawingml/2006/main" xmlns:r="http://schemas.openxmlformats.org/officeDocument/2006/relationships" xmlns:p="http://schemas.openxmlformats.org/presentationml/2006/main">
+  <p:cSld>
+    <p:spTree>
+      <p:nvGrpSpPr>
+        <p:cNvPr id="1" name=""/>
+        <p:cNvGrpSpPr/>
+        <p:nvPr/>
+      </p:nvGrpSpPr>
+      <p:grpSpPr>
+        <a:xfrm>
+          <a:off x="0" y="0"/>
+          <a:ext cx="0" cy="0"/>
+          <a:chOff x="0" y="0"/>
+          <a:chExt cx="0" cy="0"/>
+        </a:xfrm>
+      </p:grpSpPr>
+      <p:sp>
+        <p:nvSpPr>
+          <p:cNvPr id="2" name="Title 1"/>
+          <p:cNvSpPr>
+            <a:spLocks noGrp="1"/>
+          </p:cNvSpPr>
+          <p:nvPr>
+            <p:ph type="title"/>
+          </p:nvPr>
+        </p:nvSpPr>
+        <p:spPr/>
+        <p:txBody>
+          <a:bodyPr/>
+          <a:lstStyle/>
+          <a:p>
+            <a:r>
+              <a:rPr lang="en-US" dirty="0" smtClean="0"/>
+              <a:t>Server Logic</a:t>
+            </a:r>
+            <a:endParaRPr lang="en-US" dirty="0"/>
+          </a:p>
+        </p:txBody>
+      </p:sp>
+      <p:pic>
+        <p:nvPicPr>
+          <p:cNvPr id="4" name="Content Placeholder 3"/>
+          <p:cNvPicPr>
+            <a:picLocks noGrp="1" noChangeAspect="1"/>
+          </p:cNvPicPr>
+          <p:nvPr>
+            <p:ph idx="1"/>
+          </p:nvPr>
+        </p:nvPicPr>
+        <p:blipFill>
+          <a:blip r:embed="rId2">
+            <a:extLst>
+              <a:ext uri="{28A0092B-C50C-407E-A947-70E740481C1C}">
+                <a14:useLocalDpi xmlns:a14="http://schemas.microsoft.com/office/drawing/2010/main" val="0"/>
+              </a:ext>
+            </a:extLst>
+          </a:blip>
+          <a:stretch>
+            <a:fillRect/>
+          </a:stretch>
+        </p:blipFill>
+        <p:spPr>
+          <a:xfrm>
+            <a:off x="2661675" y="1513610"/>
+            <a:ext cx="6858000" cy="5209443"/>
+          </a:xfrm>
+        </p:spPr>
+      </p:pic>
+    </p:spTree>
+    <p:extLst>
+      <p:ext uri="{BB962C8B-B14F-4D97-AF65-F5344CB8AC3E}">
+        <p14:creationId xmlns:p14="http://schemas.microsoft.com/office/powerpoint/2010/main" val="2315461344"/>
+      </p:ext>
+    </p:extLst>
+  </p:cSld>
+  <p:clrMapOvr>
+    <a:masterClrMapping/>
+  </p:clrMapOvr>
+  <p:timing>
+    <p:tnLst>
+      <p:par>
+        <p:cTn id="1" dur="indefinite" restart="never" nodeType="tmRoot"/>
+      </p:par>
+    </p:tnLst>
+  </p:timing>
+</p:sld>
+</file>
+
+<file path=ppt/slides/slide18.xml><?xml version="1.0" encoding="utf-8"?>
+<p:sld xmlns:a="http://schemas.openxmlformats.org/drawingml/2006/main" xmlns:r="http://schemas.openxmlformats.org/officeDocument/2006/relationships" xmlns:p="http://schemas.openxmlformats.org/presentationml/2006/main">
+  <p:cSld>
+    <p:spTree>
+      <p:nvGrpSpPr>
+        <p:cNvPr id="1" name=""/>
+        <p:cNvGrpSpPr/>
+        <p:nvPr/>
+      </p:nvGrpSpPr>
+      <p:grpSpPr>
+        <a:xfrm>
+          <a:off x="0" y="0"/>
+          <a:ext cx="0" cy="0"/>
+          <a:chOff x="0" y="0"/>
+          <a:chExt cx="0" cy="0"/>
+        </a:xfrm>
+      </p:grpSpPr>
+      <p:sp>
+        <p:nvSpPr>
+          <p:cNvPr id="2" name="Title 1"/>
+          <p:cNvSpPr>
+            <a:spLocks noGrp="1"/>
+          </p:cNvSpPr>
+          <p:nvPr>
+            <p:ph type="title"/>
+          </p:nvPr>
+        </p:nvSpPr>
+        <p:spPr/>
+        <p:txBody>
+          <a:bodyPr/>
+          <a:lstStyle/>
+          <a:p>
+            <a:r>
+              <a:rPr lang="en-US" dirty="0" smtClean="0"/>
+              <a:t>Game Engine Logic</a:t>
+            </a:r>
+            <a:endParaRPr lang="en-US" dirty="0"/>
+          </a:p>
+        </p:txBody>
+      </p:sp>
+      <p:pic>
+        <p:nvPicPr>
+          <p:cNvPr id="4" name="Content Placeholder 3"/>
+          <p:cNvPicPr>
+            <a:picLocks noGrp="1" noChangeAspect="1"/>
+          </p:cNvPicPr>
+          <p:nvPr>
+            <p:ph idx="1"/>
+          </p:nvPr>
+        </p:nvPicPr>
+        <p:blipFill>
+          <a:blip r:embed="rId2">
+            <a:extLst>
+              <a:ext uri="{28A0092B-C50C-407E-A947-70E740481C1C}">
+                <a14:useLocalDpi xmlns:a14="http://schemas.microsoft.com/office/drawing/2010/main" val="0"/>
+              </a:ext>
+            </a:extLst>
+          </a:blip>
+          <a:stretch>
+            <a:fillRect/>
+          </a:stretch>
+        </p:blipFill>
+        <p:spPr>
+          <a:xfrm>
+            <a:off x="2661675" y="1520344"/>
+            <a:ext cx="6858000" cy="5209443"/>
+          </a:xfrm>
+        </p:spPr>
+      </p:pic>
+    </p:spTree>
+    <p:extLst>
+      <p:ext uri="{BB962C8B-B14F-4D97-AF65-F5344CB8AC3E}">
+        <p14:creationId xmlns:p14="http://schemas.microsoft.com/office/powerpoint/2010/main" val="2431438588"/>
+      </p:ext>
+    </p:extLst>
+  </p:cSld>
+  <p:clrMapOvr>
+    <a:masterClrMapping/>
+  </p:clrMapOvr>
+  <p:timing>
+    <p:tnLst>
+      <p:par>
+        <p:cTn id="1" dur="indefinite" restart="never" nodeType="tmRoot"/>
+      </p:par>
+    </p:tnLst>
+  </p:timing>
+</p:sld>
+</file>
+
+<file path=ppt/slides/slide19.xml><?xml version="1.0" encoding="utf-8"?>
+<p:sld xmlns:a="http://schemas.openxmlformats.org/drawingml/2006/main" xmlns:r="http://schemas.openxmlformats.org/officeDocument/2006/relationships" xmlns:p="http://schemas.openxmlformats.org/presentationml/2006/main">
+  <p:cSld>
+    <p:spTree>
+      <p:nvGrpSpPr>
+        <p:cNvPr id="1" name=""/>
+        <p:cNvGrpSpPr/>
+        <p:nvPr/>
+      </p:nvGrpSpPr>
+      <p:grpSpPr>
+        <a:xfrm>
+          <a:off x="0" y="0"/>
+          <a:ext cx="0" cy="0"/>
+          <a:chOff x="0" y="0"/>
+          <a:chExt cx="0" cy="0"/>
+        </a:xfrm>
+      </p:grpSpPr>
+      <p:sp>
+        <p:nvSpPr>
+          <p:cNvPr id="2" name="Title 1"/>
+          <p:cNvSpPr>
+            <a:spLocks noGrp="1"/>
+          </p:cNvSpPr>
+          <p:nvPr>
+            <p:ph type="title"/>
+          </p:nvPr>
+        </p:nvSpPr>
+        <p:spPr/>
+        <p:txBody>
+          <a:bodyPr/>
+          <a:lstStyle/>
+          <a:p>
+            <a:r>
+              <a:rPr lang="en-US" dirty="0" smtClean="0"/>
+              <a:t>Server - Game Engine Dialogue</a:t>
+            </a:r>
+            <a:endParaRPr lang="en-US" dirty="0"/>
+          </a:p>
+        </p:txBody>
+      </p:sp>
+      <p:pic>
+        <p:nvPicPr>
+          <p:cNvPr id="4" name="Content Placeholder 3"/>
+          <p:cNvPicPr>
+            <a:picLocks noGrp="1" noChangeAspect="1"/>
+          </p:cNvPicPr>
+          <p:nvPr>
+            <p:ph idx="1"/>
+          </p:nvPr>
+        </p:nvPicPr>
+        <p:blipFill>
+          <a:blip r:embed="rId2">
+            <a:extLst>
+              <a:ext uri="{28A0092B-C50C-407E-A947-70E740481C1C}">
+                <a14:useLocalDpi xmlns:a14="http://schemas.microsoft.com/office/drawing/2010/main" val="0"/>
+              </a:ext>
+            </a:extLst>
+          </a:blip>
+          <a:stretch>
+            <a:fillRect/>
+          </a:stretch>
+        </p:blipFill>
+        <p:spPr>
+          <a:xfrm>
+            <a:off x="3804675" y="1596737"/>
+            <a:ext cx="4572000" cy="2857500"/>
+          </a:xfrm>
+        </p:spPr>
+      </p:pic>
+    </p:spTree>
+    <p:extLst>
+      <p:ext uri="{BB962C8B-B14F-4D97-AF65-F5344CB8AC3E}">
+        <p14:creationId xmlns:p14="http://schemas.microsoft.com/office/powerpoint/2010/main" val="397282428"/>
+      </p:ext>
+    </p:extLst>
+  </p:cSld>
+  <p:clrMapOvr>
+    <a:masterClrMapping/>
+  </p:clrMapOvr>
+  <p:timing>
+    <p:tnLst>
+      <p:par>
+        <p:cTn id="1" dur="indefinite" restart="never" nodeType="tmRoot"/>
+      </p:par>
+    </p:tnLst>
+  </p:timing>
+</p:sld>
+</file>
+
+<file path=ppt/slides/slide2.xml><?xml version="1.0" encoding="utf-8"?>
+<p:sld xmlns:a="http://schemas.openxmlformats.org/drawingml/2006/main" xmlns:r="http://schemas.openxmlformats.org/officeDocument/2006/relationships" xmlns:p="http://schemas.openxmlformats.org/presentationml/2006/main">
+  <p:cSld>
+    <p:spTree>
+      <p:nvGrpSpPr>
+        <p:cNvPr id="1" name=""/>
+        <p:cNvGrpSpPr/>
+        <p:nvPr/>
+      </p:nvGrpSpPr>
+      <p:grpSpPr>
+        <a:xfrm>
+          <a:off x="0" y="0"/>
+          <a:ext cx="0" cy="0"/>
+          <a:chOff x="0" y="0"/>
+          <a:chExt cx="0" cy="0"/>
+        </a:xfrm>
+      </p:grpSpPr>
+      <p:sp>
+        <p:nvSpPr>
+          <p:cNvPr id="2" name="Title 1"/>
+          <p:cNvSpPr>
+            <a:spLocks noGrp="1"/>
+          </p:cNvSpPr>
+          <p:nvPr>
+            <p:ph type="title"/>
+          </p:nvPr>
+        </p:nvSpPr>
+        <p:spPr/>
+        <p:txBody>
+          <a:bodyPr/>
+          <a:lstStyle/>
+          <a:p>
+            <a:r>
+              <a:rPr lang="en-US" dirty="0" smtClean="0"/>
+              <a:t>Abstract</a:t>
+            </a:r>
+            <a:endParaRPr lang="en-US" dirty="0"/>
+          </a:p>
+        </p:txBody>
+      </p:sp>
+      <p:sp>
+        <p:nvSpPr>
+          <p:cNvPr id="3" name="Content Placeholder 2"/>
+          <p:cNvSpPr>
+            <a:spLocks noGrp="1"/>
+          </p:cNvSpPr>
+          <p:nvPr>
+            <p:ph idx="1"/>
+          </p:nvPr>
+        </p:nvSpPr>
+        <p:spPr/>
+        <p:txBody>
+          <a:bodyPr/>
+          <a:lstStyle/>
+          <a:p>
+            <a:r>
+              <a:rPr lang="en-US" dirty="0">
+                <a:effectLst/>
+              </a:rPr>
+              <a:t>This project is to build multi-player and multi-platform space-themed games with a modular architecture, variety of supported network protocols, and elements of gameplay for both entertainment and education. My portion of the project is developing the framework in which these games will run.  I defined requirements, designed, built and tested a server and game engine to run in Python on a Linux machine and clients to run on </a:t>
+            </a:r>
+            <a:r>
+              <a:rPr lang="en-US" dirty="0" smtClean="0">
+                <a:effectLst/>
+              </a:rPr>
+              <a:t>a Windows </a:t>
+            </a:r>
+            <a:r>
+              <a:rPr lang="en-US" dirty="0">
+                <a:effectLst/>
+              </a:rPr>
+              <a:t>desktop or on the web.  </a:t>
+            </a:r>
+          </a:p>
+          <a:p>
+            <a:endParaRPr lang="en-US" dirty="0"/>
+          </a:p>
+        </p:txBody>
+      </p:sp>
+    </p:spTree>
+    <p:extLst>
+      <p:ext uri="{BB962C8B-B14F-4D97-AF65-F5344CB8AC3E}">
+        <p14:creationId xmlns:p14="http://schemas.microsoft.com/office/powerpoint/2010/main" val="2829661592"/>
+      </p:ext>
+    </p:extLst>
+  </p:cSld>
+  <p:clrMapOvr>
+    <a:masterClrMapping/>
+  </p:clrMapOvr>
+  <p:timing>
+    <p:tnLst>
+      <p:par>
+        <p:cTn id="1" dur="indefinite" restart="never" nodeType="tmRoot"/>
+      </p:par>
+    </p:tnLst>
+  </p:timing>
+</p:sld>
+</file>
+
+<file path=ppt/slides/slide20.xml><?xml version="1.0" encoding="utf-8"?>
+<p:sld xmlns:a="http://schemas.openxmlformats.org/drawingml/2006/main" xmlns:r="http://schemas.openxmlformats.org/officeDocument/2006/relationships" xmlns:p="http://schemas.openxmlformats.org/presentationml/2006/main">
+  <p:cSld>
+    <p:spTree>
+      <p:nvGrpSpPr>
+        <p:cNvPr id="1" name=""/>
+        <p:cNvGrpSpPr/>
+        <p:nvPr/>
+      </p:nvGrpSpPr>
+      <p:grpSpPr>
+        <a:xfrm>
+          <a:off x="0" y="0"/>
+          <a:ext cx="0" cy="0"/>
+          <a:chOff x="0" y="0"/>
+          <a:chExt cx="0" cy="0"/>
+        </a:xfrm>
+      </p:grpSpPr>
+      <p:sp>
+        <p:nvSpPr>
+          <p:cNvPr id="2" name="Title 1"/>
+          <p:cNvSpPr>
+            <a:spLocks noGrp="1"/>
+          </p:cNvSpPr>
+          <p:nvPr>
+            <p:ph type="title"/>
+          </p:nvPr>
+        </p:nvSpPr>
+        <p:spPr/>
+        <p:txBody>
+          <a:bodyPr/>
+          <a:lstStyle/>
+          <a:p>
+            <a:r>
+              <a:rPr lang="en-US" dirty="0" smtClean="0"/>
+              <a:t>Client - Server </a:t>
+            </a:r>
+            <a:r>
+              <a:rPr lang="en-US" dirty="0"/>
+              <a:t>Dialogue</a:t>
+            </a:r>
+          </a:p>
+        </p:txBody>
+      </p:sp>
+      <p:pic>
+        <p:nvPicPr>
+          <p:cNvPr id="4" name="Content Placeholder 3"/>
+          <p:cNvPicPr>
+            <a:picLocks noGrp="1" noChangeAspect="1"/>
+          </p:cNvPicPr>
+          <p:nvPr>
+            <p:ph idx="1"/>
+          </p:nvPr>
+        </p:nvPicPr>
+        <p:blipFill>
+          <a:blip r:embed="rId2">
+            <a:extLst>
+              <a:ext uri="{28A0092B-C50C-407E-A947-70E740481C1C}">
+                <a14:useLocalDpi xmlns:a14="http://schemas.microsoft.com/office/drawing/2010/main" val="0"/>
+              </a:ext>
+            </a:extLst>
+          </a:blip>
+          <a:stretch>
+            <a:fillRect/>
+          </a:stretch>
+        </p:blipFill>
+        <p:spPr>
+          <a:xfrm>
+            <a:off x="3804675" y="1596735"/>
+            <a:ext cx="4572000" cy="4000500"/>
+          </a:xfrm>
+        </p:spPr>
+      </p:pic>
+    </p:spTree>
+    <p:extLst>
+      <p:ext uri="{BB962C8B-B14F-4D97-AF65-F5344CB8AC3E}">
+        <p14:creationId xmlns:p14="http://schemas.microsoft.com/office/powerpoint/2010/main" val="2389803821"/>
+      </p:ext>
+    </p:extLst>
+  </p:cSld>
+  <p:clrMapOvr>
+    <a:masterClrMapping/>
+  </p:clrMapOvr>
+  <p:timing>
+    <p:tnLst>
+      <p:par>
+        <p:cTn id="1" dur="indefinite" restart="never" nodeType="tmRoot"/>
+      </p:par>
+    </p:tnLst>
+  </p:timing>
+</p:sld>
+</file>
+
+<file path=ppt/slides/slide21.xml><?xml version="1.0" encoding="utf-8"?>
+<p:sld xmlns:a="http://schemas.openxmlformats.org/drawingml/2006/main" xmlns:r="http://schemas.openxmlformats.org/officeDocument/2006/relationships" xmlns:p="http://schemas.openxmlformats.org/presentationml/2006/main">
+  <p:cSld>
+    <p:spTree>
+      <p:nvGrpSpPr>
+        <p:cNvPr id="1" name=""/>
+        <p:cNvGrpSpPr/>
+        <p:nvPr/>
+      </p:nvGrpSpPr>
+      <p:grpSpPr>
+        <a:xfrm>
+          <a:off x="0" y="0"/>
+          <a:ext cx="0" cy="0"/>
+          <a:chOff x="0" y="0"/>
+          <a:chExt cx="0" cy="0"/>
+        </a:xfrm>
+      </p:grpSpPr>
+      <p:sp>
+        <p:nvSpPr>
+          <p:cNvPr id="2" name="Title 1"/>
+          <p:cNvSpPr>
+            <a:spLocks noGrp="1"/>
+          </p:cNvSpPr>
+          <p:nvPr>
+            <p:ph type="title"/>
+          </p:nvPr>
+        </p:nvSpPr>
+        <p:spPr/>
+        <p:txBody>
+          <a:bodyPr/>
+          <a:lstStyle/>
+          <a:p>
+            <a:r>
+              <a:rPr lang="en-US" dirty="0"/>
+              <a:t>Client</a:t>
+            </a:r>
+            <a:r>
+              <a:rPr lang="en-US" dirty="0" smtClean="0"/>
+              <a:t> - Game </a:t>
+            </a:r>
+            <a:r>
+              <a:rPr lang="en-US" dirty="0"/>
+              <a:t>Engine Dialogue</a:t>
+            </a:r>
+          </a:p>
+        </p:txBody>
+      </p:sp>
+      <p:pic>
+        <p:nvPicPr>
+          <p:cNvPr id="4" name="Content Placeholder 3"/>
+          <p:cNvPicPr>
+            <a:picLocks noGrp="1" noChangeAspect="1"/>
+          </p:cNvPicPr>
+          <p:nvPr>
+            <p:ph idx="1"/>
+          </p:nvPr>
+        </p:nvPicPr>
+        <p:blipFill>
+          <a:blip r:embed="rId2">
+            <a:extLst>
+              <a:ext uri="{28A0092B-C50C-407E-A947-70E740481C1C}">
+                <a14:useLocalDpi xmlns:a14="http://schemas.microsoft.com/office/drawing/2010/main" val="0"/>
+              </a:ext>
+            </a:extLst>
+          </a:blip>
+          <a:stretch>
+            <a:fillRect/>
+          </a:stretch>
+        </p:blipFill>
+        <p:spPr>
+          <a:xfrm>
+            <a:off x="3804675" y="1596737"/>
+            <a:ext cx="4572000" cy="5143501"/>
+          </a:xfrm>
+        </p:spPr>
+      </p:pic>
+    </p:spTree>
+    <p:extLst>
+      <p:ext uri="{BB962C8B-B14F-4D97-AF65-F5344CB8AC3E}">
+        <p14:creationId xmlns:p14="http://schemas.microsoft.com/office/powerpoint/2010/main" val="1300167002"/>
+      </p:ext>
+    </p:extLst>
+  </p:cSld>
+  <p:clrMapOvr>
+    <a:masterClrMapping/>
+  </p:clrMapOvr>
+  <p:timing>
+    <p:tnLst>
+      <p:par>
+        <p:cTn id="1" dur="indefinite" restart="never" nodeType="tmRoot"/>
+      </p:par>
+    </p:tnLst>
+  </p:timing>
+</p:sld>
+</file>
+
+<file path=ppt/slides/slide22.xml><?xml version="1.0" encoding="utf-8"?>
+<p:sld xmlns:a="http://schemas.openxmlformats.org/drawingml/2006/main" xmlns:r="http://schemas.openxmlformats.org/officeDocument/2006/relationships" xmlns:p="http://schemas.openxmlformats.org/presentationml/2006/main">
+  <p:cSld>
+    <p:spTree>
+      <p:nvGrpSpPr>
+        <p:cNvPr id="1" name=""/>
+        <p:cNvGrpSpPr/>
+        <p:nvPr/>
+      </p:nvGrpSpPr>
+      <p:grpSpPr>
+        <a:xfrm>
+          <a:off x="0" y="0"/>
+          <a:ext cx="0" cy="0"/>
+          <a:chOff x="0" y="0"/>
+          <a:chExt cx="0" cy="0"/>
+        </a:xfrm>
+      </p:grpSpPr>
+      <p:sp>
+        <p:nvSpPr>
+          <p:cNvPr id="2" name="Title 1"/>
+          <p:cNvSpPr>
+            <a:spLocks noGrp="1"/>
+          </p:cNvSpPr>
+          <p:nvPr>
+            <p:ph type="title"/>
+          </p:nvPr>
+        </p:nvSpPr>
+        <p:spPr/>
+        <p:txBody>
+          <a:bodyPr/>
+          <a:lstStyle/>
+          <a:p>
+            <a:r>
+              <a:rPr lang="en-US" dirty="0" smtClean="0"/>
+              <a:t>Interface Design</a:t>
+            </a:r>
+            <a:endParaRPr lang="en-US" dirty="0"/>
+          </a:p>
+        </p:txBody>
+      </p:sp>
+      <p:sp>
+        <p:nvSpPr>
+          <p:cNvPr id="3" name="Content Placeholder 2"/>
+          <p:cNvSpPr>
+            <a:spLocks noGrp="1"/>
+          </p:cNvSpPr>
+          <p:nvPr>
+            <p:ph idx="1"/>
+          </p:nvPr>
+        </p:nvSpPr>
+        <p:spPr/>
+        <p:txBody>
+          <a:bodyPr/>
+          <a:lstStyle/>
+          <a:p>
+            <a:r>
+              <a:rPr lang="en-US" dirty="0"/>
+              <a:t>Responsive Web Design</a:t>
+            </a:r>
+            <a:endParaRPr lang="en-US" dirty="0" smtClean="0"/>
+          </a:p>
+          <a:p>
+            <a:r>
+              <a:rPr lang="en-US" dirty="0" smtClean="0"/>
+              <a:t>Desktop  Native</a:t>
             </a:r>
           </a:p>
           <a:p>
@@ -5704,10 +6934,405 @@
   <p:clrMapOvr>
     <a:masterClrMapping/>
   </p:clrMapOvr>
+  <p:timing>
+    <p:tnLst>
+      <p:par>
+        <p:cTn id="1" dur="indefinite" restart="never" nodeType="tmRoot"/>
+      </p:par>
+    </p:tnLst>
+  </p:timing>
 </p:sld>
 </file>
 
-<file path=ppt/slides/slide11.xml><?xml version="1.0" encoding="utf-8"?>
+<file path=ppt/slides/slide23.xml><?xml version="1.0" encoding="utf-8"?>
+<p:sld xmlns:a="http://schemas.openxmlformats.org/drawingml/2006/main" xmlns:r="http://schemas.openxmlformats.org/officeDocument/2006/relationships" xmlns:p="http://schemas.openxmlformats.org/presentationml/2006/main">
+  <p:cSld>
+    <p:spTree>
+      <p:nvGrpSpPr>
+        <p:cNvPr id="1" name=""/>
+        <p:cNvGrpSpPr/>
+        <p:nvPr/>
+      </p:nvGrpSpPr>
+      <p:grpSpPr>
+        <a:xfrm>
+          <a:off x="0" y="0"/>
+          <a:ext cx="0" cy="0"/>
+          <a:chOff x="0" y="0"/>
+          <a:chExt cx="0" cy="0"/>
+        </a:xfrm>
+      </p:grpSpPr>
+      <p:sp>
+        <p:nvSpPr>
+          <p:cNvPr id="2" name="Title 1"/>
+          <p:cNvSpPr>
+            <a:spLocks noGrp="1"/>
+          </p:cNvSpPr>
+          <p:nvPr>
+            <p:ph type="title"/>
+          </p:nvPr>
+        </p:nvSpPr>
+        <p:spPr/>
+        <p:txBody>
+          <a:bodyPr/>
+          <a:lstStyle/>
+          <a:p>
+            <a:r>
+              <a:rPr lang="en-US" dirty="0" smtClean="0"/>
+              <a:t>Interface Design</a:t>
+            </a:r>
+            <a:endParaRPr lang="en-US" dirty="0"/>
+          </a:p>
+        </p:txBody>
+      </p:sp>
+      <p:pic>
+        <p:nvPicPr>
+          <p:cNvPr id="4" name="Content Placeholder 3"/>
+          <p:cNvPicPr>
+            <a:picLocks noGrp="1" noChangeAspect="1"/>
+          </p:cNvPicPr>
+          <p:nvPr>
+            <p:ph idx="1"/>
+          </p:nvPr>
+        </p:nvPicPr>
+        <p:blipFill>
+          <a:blip r:embed="rId2">
+            <a:extLst>
+              <a:ext uri="{28A0092B-C50C-407E-A947-70E740481C1C}">
+                <a14:useLocalDpi xmlns:a14="http://schemas.microsoft.com/office/drawing/2010/main" val="0"/>
+              </a:ext>
+            </a:extLst>
+          </a:blip>
+          <a:stretch>
+            <a:fillRect/>
+          </a:stretch>
+        </p:blipFill>
+        <p:spPr>
+          <a:xfrm>
+            <a:off x="1556142" y="1558785"/>
+            <a:ext cx="9069066" cy="5053718"/>
+          </a:xfrm>
+        </p:spPr>
+      </p:pic>
+    </p:spTree>
+    <p:extLst>
+      <p:ext uri="{BB962C8B-B14F-4D97-AF65-F5344CB8AC3E}">
+        <p14:creationId xmlns:p14="http://schemas.microsoft.com/office/powerpoint/2010/main" val="1187535805"/>
+      </p:ext>
+    </p:extLst>
+  </p:cSld>
+  <p:clrMapOvr>
+    <a:masterClrMapping/>
+  </p:clrMapOvr>
+  <p:timing>
+    <p:tnLst>
+      <p:par>
+        <p:cTn id="1" dur="indefinite" restart="never" nodeType="tmRoot"/>
+      </p:par>
+    </p:tnLst>
+  </p:timing>
+</p:sld>
+</file>
+
+<file path=ppt/slides/slide24.xml><?xml version="1.0" encoding="utf-8"?>
+<p:sld xmlns:a="http://schemas.openxmlformats.org/drawingml/2006/main" xmlns:r="http://schemas.openxmlformats.org/officeDocument/2006/relationships" xmlns:p="http://schemas.openxmlformats.org/presentationml/2006/main">
+  <p:cSld>
+    <p:spTree>
+      <p:nvGrpSpPr>
+        <p:cNvPr id="1" name=""/>
+        <p:cNvGrpSpPr/>
+        <p:nvPr/>
+      </p:nvGrpSpPr>
+      <p:grpSpPr>
+        <a:xfrm>
+          <a:off x="0" y="0"/>
+          <a:ext cx="0" cy="0"/>
+          <a:chOff x="0" y="0"/>
+          <a:chExt cx="0" cy="0"/>
+        </a:xfrm>
+      </p:grpSpPr>
+      <p:sp>
+        <p:nvSpPr>
+          <p:cNvPr id="2" name="Title 1"/>
+          <p:cNvSpPr>
+            <a:spLocks noGrp="1"/>
+          </p:cNvSpPr>
+          <p:nvPr>
+            <p:ph type="title"/>
+          </p:nvPr>
+        </p:nvSpPr>
+        <p:spPr/>
+        <p:txBody>
+          <a:bodyPr/>
+          <a:lstStyle/>
+          <a:p>
+            <a:r>
+              <a:rPr lang="en-US" dirty="0" smtClean="0"/>
+              <a:t>Responsive Web Design</a:t>
+            </a:r>
+            <a:endParaRPr lang="en-US" dirty="0"/>
+          </a:p>
+        </p:txBody>
+      </p:sp>
+      <p:sp>
+        <p:nvSpPr>
+          <p:cNvPr id="3" name="Content Placeholder 2"/>
+          <p:cNvSpPr>
+            <a:spLocks noGrp="1"/>
+          </p:cNvSpPr>
+          <p:nvPr>
+            <p:ph idx="1"/>
+          </p:nvPr>
+        </p:nvSpPr>
+        <p:spPr/>
+        <p:txBody>
+          <a:bodyPr>
+            <a:normAutofit/>
+          </a:bodyPr>
+          <a:lstStyle/>
+          <a:p>
+            <a:pPr marL="0" indent="0" algn="ctr">
+              <a:buNone/>
+            </a:pPr>
+            <a:r>
+              <a:rPr lang="en-US" sz="2400" dirty="0" smtClean="0">
+                <a:effectLst/>
+                <a:latin typeface="Segoe UI" panose="020B0502040204020203" pitchFamily="34" charset="0"/>
+                <a:ea typeface="Segoe UI" panose="020B0502040204020203" pitchFamily="34" charset="0"/>
+                <a:cs typeface="Segoe UI" panose="020B0502040204020203" pitchFamily="34" charset="0"/>
+              </a:rPr>
+              <a:t>“Fluid </a:t>
+            </a:r>
+            <a:r>
+              <a:rPr lang="en-US" sz="2400" dirty="0">
+                <a:effectLst/>
+                <a:latin typeface="Segoe UI" panose="020B0502040204020203" pitchFamily="34" charset="0"/>
+                <a:ea typeface="Segoe UI" panose="020B0502040204020203" pitchFamily="34" charset="0"/>
+                <a:cs typeface="Segoe UI" panose="020B0502040204020203" pitchFamily="34" charset="0"/>
+              </a:rPr>
+              <a:t>grids, flexible images, and media queries are the three technical ingredients for responsive web design, but it also requires a different way of thinking.”  Responsive web design requires thinking about the design of a web site holistically, preserving the conceptual integrity of the site while providing optimal </a:t>
+            </a:r>
+            <a:r>
+              <a:rPr lang="en-US" sz="2400" dirty="0" smtClean="0">
+                <a:effectLst/>
+                <a:latin typeface="Segoe UI" panose="020B0502040204020203" pitchFamily="34" charset="0"/>
+                <a:ea typeface="Segoe UI" panose="020B0502040204020203" pitchFamily="34" charset="0"/>
+                <a:cs typeface="Segoe UI" panose="020B0502040204020203" pitchFamily="34" charset="0"/>
+              </a:rPr>
+              <a:t>presentation </a:t>
+            </a:r>
+            <a:r>
+              <a:rPr lang="en-US" sz="2400" dirty="0">
+                <a:effectLst/>
+                <a:latin typeface="Segoe UI" panose="020B0502040204020203" pitchFamily="34" charset="0"/>
+                <a:ea typeface="Segoe UI" panose="020B0502040204020203" pitchFamily="34" charset="0"/>
+                <a:cs typeface="Segoe UI" panose="020B0502040204020203" pitchFamily="34" charset="0"/>
+              </a:rPr>
+              <a:t>across a </a:t>
+            </a:r>
+            <a:r>
+              <a:rPr lang="en-US" sz="2400" dirty="0" smtClean="0">
+                <a:effectLst/>
+                <a:latin typeface="Segoe UI" panose="020B0502040204020203" pitchFamily="34" charset="0"/>
+                <a:ea typeface="Segoe UI" panose="020B0502040204020203" pitchFamily="34" charset="0"/>
+                <a:cs typeface="Segoe UI" panose="020B0502040204020203" pitchFamily="34" charset="0"/>
+              </a:rPr>
+              <a:t>variety </a:t>
+            </a:r>
+            <a:r>
+              <a:rPr lang="en-US" sz="2400" dirty="0">
+                <a:effectLst/>
+                <a:latin typeface="Segoe UI" panose="020B0502040204020203" pitchFamily="34" charset="0"/>
+                <a:ea typeface="Segoe UI" panose="020B0502040204020203" pitchFamily="34" charset="0"/>
+                <a:cs typeface="Segoe UI" panose="020B0502040204020203" pitchFamily="34" charset="0"/>
+              </a:rPr>
+              <a:t>of viewing experiences</a:t>
+            </a:r>
+            <a:r>
+              <a:rPr lang="en-US" sz="2400" dirty="0" smtClean="0">
+                <a:effectLst/>
+                <a:latin typeface="Segoe UI" panose="020B0502040204020203" pitchFamily="34" charset="0"/>
+                <a:ea typeface="Segoe UI" panose="020B0502040204020203" pitchFamily="34" charset="0"/>
+                <a:cs typeface="Segoe UI" panose="020B0502040204020203" pitchFamily="34" charset="0"/>
+              </a:rPr>
+              <a:t>.”</a:t>
+            </a:r>
+          </a:p>
+          <a:p>
+            <a:pPr marL="0" indent="0" algn="ctr">
+              <a:buNone/>
+            </a:pPr>
+            <a:endParaRPr lang="en-US" sz="2400" dirty="0">
+              <a:effectLst/>
+              <a:latin typeface="Segoe UI" panose="020B0502040204020203" pitchFamily="34" charset="0"/>
+              <a:ea typeface="Segoe UI" panose="020B0502040204020203" pitchFamily="34" charset="0"/>
+              <a:cs typeface="Segoe UI" panose="020B0502040204020203" pitchFamily="34" charset="0"/>
+            </a:endParaRPr>
+          </a:p>
+          <a:p>
+            <a:pPr marL="0" indent="0" algn="ctr">
+              <a:buNone/>
+            </a:pPr>
+            <a:r>
+              <a:rPr lang="en-US" i="1" dirty="0" err="1">
+                <a:effectLst/>
+                <a:latin typeface="Segoe UI" panose="020B0502040204020203" pitchFamily="34" charset="0"/>
+                <a:ea typeface="Segoe UI" panose="020B0502040204020203" pitchFamily="34" charset="0"/>
+                <a:cs typeface="Segoe UI" panose="020B0502040204020203" pitchFamily="34" charset="0"/>
+              </a:rPr>
+              <a:t>Marcotte</a:t>
+            </a:r>
+            <a:r>
+              <a:rPr lang="en-US" i="1" dirty="0">
+                <a:effectLst/>
+                <a:latin typeface="Segoe UI" panose="020B0502040204020203" pitchFamily="34" charset="0"/>
+                <a:ea typeface="Segoe UI" panose="020B0502040204020203" pitchFamily="34" charset="0"/>
+                <a:cs typeface="Segoe UI" panose="020B0502040204020203" pitchFamily="34" charset="0"/>
+              </a:rPr>
+              <a:t>, Ethan. 2010. Responsive web design. In A list apart</a:t>
+            </a:r>
+            <a:endParaRPr lang="en-US" i="1" dirty="0">
+              <a:latin typeface="Segoe UI" panose="020B0502040204020203" pitchFamily="34" charset="0"/>
+              <a:ea typeface="Segoe UI" panose="020B0502040204020203" pitchFamily="34" charset="0"/>
+              <a:cs typeface="Segoe UI" panose="020B0502040204020203" pitchFamily="34" charset="0"/>
+            </a:endParaRPr>
+          </a:p>
+        </p:txBody>
+      </p:sp>
+    </p:spTree>
+    <p:extLst>
+      <p:ext uri="{BB962C8B-B14F-4D97-AF65-F5344CB8AC3E}">
+        <p14:creationId xmlns:p14="http://schemas.microsoft.com/office/powerpoint/2010/main" val="2687703385"/>
+      </p:ext>
+    </p:extLst>
+  </p:cSld>
+  <p:clrMapOvr>
+    <a:masterClrMapping/>
+  </p:clrMapOvr>
+  <p:timing>
+    <p:tnLst>
+      <p:par>
+        <p:cTn id="1" dur="indefinite" restart="never" nodeType="tmRoot"/>
+      </p:par>
+    </p:tnLst>
+  </p:timing>
+</p:sld>
+</file>
+
+<file path=ppt/slides/slide25.xml><?xml version="1.0" encoding="utf-8"?>
+<p:sld xmlns:a="http://schemas.openxmlformats.org/drawingml/2006/main" xmlns:r="http://schemas.openxmlformats.org/officeDocument/2006/relationships" xmlns:p="http://schemas.openxmlformats.org/presentationml/2006/main">
+  <p:cSld>
+    <p:spTree>
+      <p:nvGrpSpPr>
+        <p:cNvPr id="1" name=""/>
+        <p:cNvGrpSpPr/>
+        <p:nvPr/>
+      </p:nvGrpSpPr>
+      <p:grpSpPr>
+        <a:xfrm>
+          <a:off x="0" y="0"/>
+          <a:ext cx="0" cy="0"/>
+          <a:chOff x="0" y="0"/>
+          <a:chExt cx="0" cy="0"/>
+        </a:xfrm>
+      </p:grpSpPr>
+      <p:sp>
+        <p:nvSpPr>
+          <p:cNvPr id="2" name="Title 1"/>
+          <p:cNvSpPr>
+            <a:spLocks noGrp="1"/>
+          </p:cNvSpPr>
+          <p:nvPr>
+            <p:ph type="title"/>
+          </p:nvPr>
+        </p:nvSpPr>
+        <p:spPr>
+          <a:xfrm>
+            <a:off x="914356" y="457200"/>
+            <a:ext cx="10353761" cy="1776895"/>
+          </a:xfrm>
+        </p:spPr>
+        <p:txBody>
+          <a:bodyPr>
+            <a:normAutofit/>
+          </a:bodyPr>
+          <a:lstStyle/>
+          <a:p>
+            <a:r>
+              <a:rPr lang="en-US" dirty="0"/>
+              <a:t>Responsive Web </a:t>
+            </a:r>
+            <a:r>
+              <a:rPr lang="en-US" dirty="0" smtClean="0"/>
+              <a:t>Design</a:t>
+            </a:r>
+            <a:br>
+              <a:rPr lang="en-US" dirty="0" smtClean="0"/>
+            </a:br>
+            <a:r>
+              <a:rPr lang="en-US" dirty="0"/>
+              <a:t/>
+            </a:r>
+            <a:br>
+              <a:rPr lang="en-US" dirty="0"/>
+            </a:br>
+            <a:r>
+              <a:rPr lang="en-US" sz="2800" dirty="0" smtClean="0"/>
+              <a:t>Twitter Bootstrap</a:t>
+            </a:r>
+            <a:endParaRPr lang="en-US" sz="2800" dirty="0"/>
+          </a:p>
+        </p:txBody>
+      </p:sp>
+      <p:pic>
+        <p:nvPicPr>
+          <p:cNvPr id="4" name="Content Placeholder 3"/>
+          <p:cNvPicPr>
+            <a:picLocks noGrp="1" noChangeAspect="1"/>
+          </p:cNvPicPr>
+          <p:nvPr>
+            <p:ph idx="1"/>
+          </p:nvPr>
+        </p:nvPicPr>
+        <p:blipFill>
+          <a:blip r:embed="rId2">
+            <a:extLst>
+              <a:ext uri="{28A0092B-C50C-407E-A947-70E740481C1C}">
+                <a14:useLocalDpi xmlns:a14="http://schemas.microsoft.com/office/drawing/2010/main" val="0"/>
+              </a:ext>
+            </a:extLst>
+          </a:blip>
+          <a:stretch>
+            <a:fillRect/>
+          </a:stretch>
+        </p:blipFill>
+        <p:spPr>
+          <a:xfrm>
+            <a:off x="1537652" y="2514400"/>
+            <a:ext cx="9107171" cy="2857899"/>
+          </a:xfrm>
+        </p:spPr>
+      </p:pic>
+    </p:spTree>
+    <p:extLst>
+      <p:ext uri="{BB962C8B-B14F-4D97-AF65-F5344CB8AC3E}">
+        <p14:creationId xmlns:p14="http://schemas.microsoft.com/office/powerpoint/2010/main" val="1539695849"/>
+      </p:ext>
+    </p:extLst>
+  </p:cSld>
+  <p:clrMapOvr>
+    <a:masterClrMapping/>
+  </p:clrMapOvr>
+  <p:timing>
+    <p:tnLst>
+      <p:par>
+        <p:cTn id="1" dur="indefinite" restart="never" nodeType="tmRoot"/>
+      </p:par>
+    </p:tnLst>
+  </p:timing>
+</p:sld>
+</file>
+
+<file path=ppt/slides/slide26.xml><?xml version="1.0" encoding="utf-8"?>
 <p:sld xmlns:a="http://schemas.openxmlformats.org/drawingml/2006/main" xmlns:r="http://schemas.openxmlformats.org/officeDocument/2006/relationships" xmlns:p="http://schemas.openxmlformats.org/presentationml/2006/main">
   <p:cSld>
     <p:spTree>
@@ -5790,10 +7415,17 @@
   <p:clrMapOvr>
     <a:masterClrMapping/>
   </p:clrMapOvr>
+  <p:timing>
+    <p:tnLst>
+      <p:par>
+        <p:cTn id="1" dur="indefinite" restart="never" nodeType="tmRoot"/>
+      </p:par>
+    </p:tnLst>
+  </p:timing>
 </p:sld>
 </file>
 
-<file path=ppt/slides/slide12.xml><?xml version="1.0" encoding="utf-8"?>
+<file path=ppt/slides/slide27.xml><?xml version="1.0" encoding="utf-8"?>
 <p:sld xmlns:a="http://schemas.openxmlformats.org/drawingml/2006/main" xmlns:r="http://schemas.openxmlformats.org/officeDocument/2006/relationships" xmlns:p="http://schemas.openxmlformats.org/presentationml/2006/main">
   <p:cSld>
     <p:spTree>
@@ -5876,10 +7508,17 @@
   <p:clrMapOvr>
     <a:masterClrMapping/>
   </p:clrMapOvr>
+  <p:timing>
+    <p:tnLst>
+      <p:par>
+        <p:cTn id="1" dur="indefinite" restart="never" nodeType="tmRoot"/>
+      </p:par>
+    </p:tnLst>
+  </p:timing>
 </p:sld>
 </file>
 
-<file path=ppt/slides/slide13.xml><?xml version="1.0" encoding="utf-8"?>
+<file path=ppt/slides/slide28.xml><?xml version="1.0" encoding="utf-8"?>
 <p:sld xmlns:a="http://schemas.openxmlformats.org/drawingml/2006/main" xmlns:r="http://schemas.openxmlformats.org/officeDocument/2006/relationships" xmlns:p="http://schemas.openxmlformats.org/presentationml/2006/main">
   <p:cSld>
     <p:spTree>
@@ -5962,10 +7601,17 @@
   <p:clrMapOvr>
     <a:masterClrMapping/>
   </p:clrMapOvr>
+  <p:timing>
+    <p:tnLst>
+      <p:par>
+        <p:cTn id="1" dur="indefinite" restart="never" nodeType="tmRoot"/>
+      </p:par>
+    </p:tnLst>
+  </p:timing>
 </p:sld>
 </file>
 
-<file path=ppt/slides/slide14.xml><?xml version="1.0" encoding="utf-8"?>
+<file path=ppt/slides/slide29.xml><?xml version="1.0" encoding="utf-8"?>
 <p:sld xmlns:a="http://schemas.openxmlformats.org/drawingml/2006/main" xmlns:r="http://schemas.openxmlformats.org/officeDocument/2006/relationships" xmlns:p="http://schemas.openxmlformats.org/presentationml/2006/main">
   <p:cSld>
     <p:spTree>
@@ -6044,10 +7690,134 @@
   <p:clrMapOvr>
     <a:masterClrMapping/>
   </p:clrMapOvr>
+  <p:timing>
+    <p:tnLst>
+      <p:par>
+        <p:cTn id="1" dur="indefinite" restart="never" nodeType="tmRoot"/>
+      </p:par>
+    </p:tnLst>
+  </p:timing>
 </p:sld>
 </file>
 
-<file path=ppt/slides/slide15.xml><?xml version="1.0" encoding="utf-8"?>
+<file path=ppt/slides/slide3.xml><?xml version="1.0" encoding="utf-8"?>
+<p:sld xmlns:a="http://schemas.openxmlformats.org/drawingml/2006/main" xmlns:r="http://schemas.openxmlformats.org/officeDocument/2006/relationships" xmlns:p="http://schemas.openxmlformats.org/presentationml/2006/main">
+  <p:cSld>
+    <p:spTree>
+      <p:nvGrpSpPr>
+        <p:cNvPr id="1" name=""/>
+        <p:cNvGrpSpPr/>
+        <p:nvPr/>
+      </p:nvGrpSpPr>
+      <p:grpSpPr>
+        <a:xfrm>
+          <a:off x="0" y="0"/>
+          <a:ext cx="0" cy="0"/>
+          <a:chOff x="0" y="0"/>
+          <a:chExt cx="0" cy="0"/>
+        </a:xfrm>
+      </p:grpSpPr>
+      <p:sp>
+        <p:nvSpPr>
+          <p:cNvPr id="2" name="Title 1"/>
+          <p:cNvSpPr>
+            <a:spLocks noGrp="1"/>
+          </p:cNvSpPr>
+          <p:nvPr>
+            <p:ph type="title"/>
+          </p:nvPr>
+        </p:nvSpPr>
+        <p:spPr/>
+        <p:txBody>
+          <a:bodyPr/>
+          <a:lstStyle/>
+          <a:p>
+            <a:r>
+              <a:rPr lang="en-US" dirty="0" smtClean="0"/>
+              <a:t>Objectives</a:t>
+            </a:r>
+            <a:endParaRPr lang="en-US" dirty="0"/>
+          </a:p>
+        </p:txBody>
+      </p:sp>
+      <p:sp>
+        <p:nvSpPr>
+          <p:cNvPr id="3" name="Content Placeholder 2"/>
+          <p:cNvSpPr>
+            <a:spLocks noGrp="1"/>
+          </p:cNvSpPr>
+          <p:nvPr>
+            <p:ph idx="1"/>
+          </p:nvPr>
+        </p:nvSpPr>
+        <p:spPr/>
+        <p:txBody>
+          <a:bodyPr/>
+          <a:lstStyle/>
+          <a:p>
+            <a:r>
+              <a:rPr lang="en-US" dirty="0" smtClean="0"/>
+              <a:t>Modular Architecture</a:t>
+            </a:r>
+          </a:p>
+          <a:p>
+            <a:r>
+              <a:rPr lang="en-US" dirty="0" smtClean="0"/>
+              <a:t>Platform Independence</a:t>
+            </a:r>
+          </a:p>
+          <a:p>
+            <a:r>
+              <a:rPr lang="en-US" dirty="0" smtClean="0"/>
+              <a:t>Network Protocol Independence</a:t>
+            </a:r>
+          </a:p>
+          <a:p>
+            <a:r>
+              <a:rPr lang="en-US" dirty="0" smtClean="0"/>
+              <a:t>Abstraction of Networking and Data </a:t>
+            </a:r>
+            <a:r>
+              <a:rPr lang="en-US" dirty="0"/>
+              <a:t>S</a:t>
+            </a:r>
+            <a:r>
+              <a:rPr lang="en-US" dirty="0" smtClean="0"/>
+              <a:t>torage</a:t>
+            </a:r>
+          </a:p>
+          <a:p>
+            <a:r>
+              <a:rPr lang="en-US" dirty="0" smtClean="0"/>
+              <a:t>Excellent Documentation</a:t>
+            </a:r>
+          </a:p>
+          <a:p>
+            <a:endParaRPr lang="en-US" dirty="0"/>
+          </a:p>
+        </p:txBody>
+      </p:sp>
+    </p:spTree>
+    <p:extLst>
+      <p:ext uri="{BB962C8B-B14F-4D97-AF65-F5344CB8AC3E}">
+        <p14:creationId xmlns:p14="http://schemas.microsoft.com/office/powerpoint/2010/main" val="3601339837"/>
+      </p:ext>
+    </p:extLst>
+  </p:cSld>
+  <p:clrMapOvr>
+    <a:masterClrMapping/>
+  </p:clrMapOvr>
+  <p:timing>
+    <p:tnLst>
+      <p:par>
+        <p:cTn id="1" dur="indefinite" restart="never" nodeType="tmRoot"/>
+      </p:par>
+    </p:tnLst>
+  </p:timing>
+</p:sld>
+</file>
+
+<file path=ppt/slides/slide30.xml><?xml version="1.0" encoding="utf-8"?>
 <p:sld xmlns:a="http://schemas.openxmlformats.org/drawingml/2006/main" xmlns:r="http://schemas.openxmlformats.org/officeDocument/2006/relationships" xmlns:p="http://schemas.openxmlformats.org/presentationml/2006/main">
   <p:cSld>
     <p:spTree>
@@ -6138,10 +7908,17 @@
   <p:clrMapOvr>
     <a:masterClrMapping/>
   </p:clrMapOvr>
+  <p:timing>
+    <p:tnLst>
+      <p:par>
+        <p:cTn id="1" dur="indefinite" restart="never" nodeType="tmRoot"/>
+      </p:par>
+    </p:tnLst>
+  </p:timing>
 </p:sld>
 </file>
 
-<file path=ppt/slides/slide16.xml><?xml version="1.0" encoding="utf-8"?>
+<file path=ppt/slides/slide31.xml><?xml version="1.0" encoding="utf-8"?>
 <p:sld xmlns:a="http://schemas.openxmlformats.org/drawingml/2006/main" xmlns:r="http://schemas.openxmlformats.org/officeDocument/2006/relationships" xmlns:p="http://schemas.openxmlformats.org/presentationml/2006/main">
   <p:cSld>
     <p:spTree>
@@ -6228,10 +8005,17 @@
   <p:clrMapOvr>
     <a:masterClrMapping/>
   </p:clrMapOvr>
+  <p:timing>
+    <p:tnLst>
+      <p:par>
+        <p:cTn id="1" dur="indefinite" restart="never" nodeType="tmRoot"/>
+      </p:par>
+    </p:tnLst>
+  </p:timing>
 </p:sld>
 </file>
 
-<file path=ppt/slides/slide17.xml><?xml version="1.0" encoding="utf-8"?>
+<file path=ppt/slides/slide32.xml><?xml version="1.0" encoding="utf-8"?>
 <p:sld xmlns:a="http://schemas.openxmlformats.org/drawingml/2006/main" xmlns:r="http://schemas.openxmlformats.org/officeDocument/2006/relationships" xmlns:p="http://schemas.openxmlformats.org/presentationml/2006/main">
   <p:cSld>
     <p:spTree>
@@ -6310,10 +8094,17 @@
   <p:clrMapOvr>
     <a:masterClrMapping/>
   </p:clrMapOvr>
+  <p:timing>
+    <p:tnLst>
+      <p:par>
+        <p:cTn id="1" dur="indefinite" restart="never" nodeType="tmRoot"/>
+      </p:par>
+    </p:tnLst>
+  </p:timing>
 </p:sld>
 </file>
 
-<file path=ppt/slides/slide18.xml><?xml version="1.0" encoding="utf-8"?>
+<file path=ppt/slides/slide33.xml><?xml version="1.0" encoding="utf-8"?>
 <p:sld xmlns:a="http://schemas.openxmlformats.org/drawingml/2006/main" xmlns:r="http://schemas.openxmlformats.org/officeDocument/2006/relationships" xmlns:p="http://schemas.openxmlformats.org/presentationml/2006/main">
   <p:cSld>
     <p:spTree>
@@ -6392,10 +8183,17 @@
   <p:clrMapOvr>
     <a:masterClrMapping/>
   </p:clrMapOvr>
+  <p:timing>
+    <p:tnLst>
+      <p:par>
+        <p:cTn id="1" dur="indefinite" restart="never" nodeType="tmRoot"/>
+      </p:par>
+    </p:tnLst>
+  </p:timing>
 </p:sld>
 </file>
 
-<file path=ppt/slides/slide19.xml><?xml version="1.0" encoding="utf-8"?>
+<file path=ppt/slides/slide34.xml><?xml version="1.0" encoding="utf-8"?>
 <p:sld xmlns:a="http://schemas.openxmlformats.org/drawingml/2006/main" xmlns:r="http://schemas.openxmlformats.org/officeDocument/2006/relationships" xmlns:p="http://schemas.openxmlformats.org/presentationml/2006/main">
   <p:cSld>
     <p:spTree>
@@ -6474,97 +8272,17 @@
   <p:clrMapOvr>
     <a:masterClrMapping/>
   </p:clrMapOvr>
+  <p:timing>
+    <p:tnLst>
+      <p:par>
+        <p:cTn id="1" dur="indefinite" restart="never" nodeType="tmRoot"/>
+      </p:par>
+    </p:tnLst>
+  </p:timing>
 </p:sld>
 </file>
 
-<file path=ppt/slides/slide2.xml><?xml version="1.0" encoding="utf-8"?>
-<p:sld xmlns:a="http://schemas.openxmlformats.org/drawingml/2006/main" xmlns:r="http://schemas.openxmlformats.org/officeDocument/2006/relationships" xmlns:p="http://schemas.openxmlformats.org/presentationml/2006/main">
-  <p:cSld>
-    <p:spTree>
-      <p:nvGrpSpPr>
-        <p:cNvPr id="1" name=""/>
-        <p:cNvGrpSpPr/>
-        <p:nvPr/>
-      </p:nvGrpSpPr>
-      <p:grpSpPr>
-        <a:xfrm>
-          <a:off x="0" y="0"/>
-          <a:ext cx="0" cy="0"/>
-          <a:chOff x="0" y="0"/>
-          <a:chExt cx="0" cy="0"/>
-        </a:xfrm>
-      </p:grpSpPr>
-      <p:sp>
-        <p:nvSpPr>
-          <p:cNvPr id="2" name="Title 1"/>
-          <p:cNvSpPr>
-            <a:spLocks noGrp="1"/>
-          </p:cNvSpPr>
-          <p:nvPr>
-            <p:ph type="title"/>
-          </p:nvPr>
-        </p:nvSpPr>
-        <p:spPr/>
-        <p:txBody>
-          <a:bodyPr/>
-          <a:lstStyle/>
-          <a:p>
-            <a:r>
-              <a:rPr lang="en-US" dirty="0" smtClean="0"/>
-              <a:t>Design</a:t>
-            </a:r>
-            <a:endParaRPr lang="en-US" dirty="0"/>
-          </a:p>
-        </p:txBody>
-      </p:sp>
-      <p:sp>
-        <p:nvSpPr>
-          <p:cNvPr id="3" name="Content Placeholder 2"/>
-          <p:cNvSpPr>
-            <a:spLocks noGrp="1"/>
-          </p:cNvSpPr>
-          <p:nvPr>
-            <p:ph idx="1"/>
-          </p:nvPr>
-        </p:nvSpPr>
-        <p:spPr/>
-        <p:txBody>
-          <a:bodyPr/>
-          <a:lstStyle/>
-          <a:p>
-            <a:r>
-              <a:rPr lang="en-US" dirty="0" smtClean="0"/>
-              <a:t>Network Architecture</a:t>
-            </a:r>
-          </a:p>
-          <a:p>
-            <a:r>
-              <a:rPr lang="en-US" dirty="0" smtClean="0"/>
-              <a:t>Logic</a:t>
-            </a:r>
-          </a:p>
-          <a:p>
-            <a:r>
-              <a:rPr lang="en-US" dirty="0" smtClean="0"/>
-              <a:t>Dialogues</a:t>
-            </a:r>
-          </a:p>
-        </p:txBody>
-      </p:sp>
-    </p:spTree>
-    <p:extLst>
-      <p:ext uri="{BB962C8B-B14F-4D97-AF65-F5344CB8AC3E}">
-        <p14:creationId xmlns:p14="http://schemas.microsoft.com/office/powerpoint/2010/main" val="495362691"/>
-      </p:ext>
-    </p:extLst>
-  </p:cSld>
-  <p:clrMapOvr>
-    <a:masterClrMapping/>
-  </p:clrMapOvr>
-</p:sld>
-</file>
-
-<file path=ppt/slides/slide20.xml><?xml version="1.0" encoding="utf-8"?>
+<file path=ppt/slides/slide35.xml><?xml version="1.0" encoding="utf-8"?>
 <p:sld xmlns:a="http://schemas.openxmlformats.org/drawingml/2006/main" xmlns:r="http://schemas.openxmlformats.org/officeDocument/2006/relationships" xmlns:p="http://schemas.openxmlformats.org/presentationml/2006/main">
   <p:cSld>
     <p:spTree>
@@ -6643,10 +8361,17 @@
   <p:clrMapOvr>
     <a:masterClrMapping/>
   </p:clrMapOvr>
+  <p:timing>
+    <p:tnLst>
+      <p:par>
+        <p:cTn id="1" dur="indefinite" restart="never" nodeType="tmRoot"/>
+      </p:par>
+    </p:tnLst>
+  </p:timing>
 </p:sld>
 </file>
 
-<file path=ppt/slides/slide21.xml><?xml version="1.0" encoding="utf-8"?>
+<file path=ppt/slides/slide36.xml><?xml version="1.0" encoding="utf-8"?>
 <p:sld xmlns:a="http://schemas.openxmlformats.org/drawingml/2006/main" xmlns:r="http://schemas.openxmlformats.org/officeDocument/2006/relationships" xmlns:p="http://schemas.openxmlformats.org/presentationml/2006/main">
   <p:cSld>
     <p:spTree>
@@ -6725,10 +8450,17 @@
   <p:clrMapOvr>
     <a:masterClrMapping/>
   </p:clrMapOvr>
+  <p:timing>
+    <p:tnLst>
+      <p:par>
+        <p:cTn id="1" dur="indefinite" restart="never" nodeType="tmRoot"/>
+      </p:par>
+    </p:tnLst>
+  </p:timing>
 </p:sld>
 </file>
 
-<file path=ppt/slides/slide22.xml><?xml version="1.0" encoding="utf-8"?>
+<file path=ppt/slides/slide37.xml><?xml version="1.0" encoding="utf-8"?>
 <p:sld xmlns:a="http://schemas.openxmlformats.org/drawingml/2006/main" xmlns:r="http://schemas.openxmlformats.org/officeDocument/2006/relationships" xmlns:p="http://schemas.openxmlformats.org/presentationml/2006/main">
   <p:cSld>
     <p:spTree>
@@ -6807,87 +8539,13 @@
   <p:clrMapOvr>
     <a:masterClrMapping/>
   </p:clrMapOvr>
-</p:sld>
-</file>
-
-<file path=ppt/slides/slide3.xml><?xml version="1.0" encoding="utf-8"?>
-<p:sld xmlns:a="http://schemas.openxmlformats.org/drawingml/2006/main" xmlns:r="http://schemas.openxmlformats.org/officeDocument/2006/relationships" xmlns:p="http://schemas.openxmlformats.org/presentationml/2006/main">
-  <p:cSld>
-    <p:spTree>
-      <p:nvGrpSpPr>
-        <p:cNvPr id="1" name=""/>
-        <p:cNvGrpSpPr/>
-        <p:nvPr/>
-      </p:nvGrpSpPr>
-      <p:grpSpPr>
-        <a:xfrm>
-          <a:off x="0" y="0"/>
-          <a:ext cx="0" cy="0"/>
-          <a:chOff x="0" y="0"/>
-          <a:chExt cx="0" cy="0"/>
-        </a:xfrm>
-      </p:grpSpPr>
-      <p:sp>
-        <p:nvSpPr>
-          <p:cNvPr id="2" name="Title 1"/>
-          <p:cNvSpPr>
-            <a:spLocks noGrp="1"/>
-          </p:cNvSpPr>
-          <p:nvPr>
-            <p:ph type="title"/>
-          </p:nvPr>
-        </p:nvSpPr>
-        <p:spPr/>
-        <p:txBody>
-          <a:bodyPr/>
-          <a:lstStyle/>
-          <a:p>
-            <a:r>
-              <a:rPr lang="en-US" dirty="0" smtClean="0"/>
-              <a:t>Network Architecture</a:t>
-            </a:r>
-            <a:endParaRPr lang="en-US" dirty="0"/>
-          </a:p>
-        </p:txBody>
-      </p:sp>
-      <p:pic>
-        <p:nvPicPr>
-          <p:cNvPr id="4" name="Content Placeholder 3"/>
-          <p:cNvPicPr>
-            <a:picLocks noGrp="1" noChangeAspect="1"/>
-          </p:cNvPicPr>
-          <p:nvPr>
-            <p:ph idx="1"/>
-          </p:nvPr>
-        </p:nvPicPr>
-        <p:blipFill rotWithShape="1">
-          <a:blip r:embed="rId2">
-            <a:extLst>
-              <a:ext uri="{28A0092B-C50C-407E-A947-70E740481C1C}">
-                <a14:useLocalDpi xmlns:a14="http://schemas.microsoft.com/office/drawing/2010/main" val="0"/>
-              </a:ext>
-            </a:extLst>
-          </a:blip>
-          <a:srcRect t="17003"/>
-          <a:stretch/>
-        </p:blipFill>
-        <p:spPr>
-          <a:xfrm>
-            <a:off x="2092556" y="1880517"/>
-            <a:ext cx="7996237" cy="4977483"/>
-          </a:xfrm>
-        </p:spPr>
-      </p:pic>
-    </p:spTree>
-    <p:extLst>
-      <p:ext uri="{BB962C8B-B14F-4D97-AF65-F5344CB8AC3E}">
-        <p14:creationId xmlns:p14="http://schemas.microsoft.com/office/powerpoint/2010/main" val="3270216534"/>
-      </p:ext>
-    </p:extLst>
-  </p:cSld>
-  <p:clrMapOvr>
-    <a:masterClrMapping/>
-  </p:clrMapOvr>
+  <p:timing>
+    <p:tnLst>
+      <p:par>
+        <p:cTn id="1" dur="indefinite" restart="never" nodeType="tmRoot"/>
+      </p:par>
+    </p:tnLst>
+  </p:timing>
 </p:sld>
 </file>
 
@@ -6924,52 +8582,66 @@
           <a:lstStyle/>
           <a:p>
             <a:r>
+              <a:rPr lang="en-US" dirty="0"/>
+              <a:t>Modular Architecture</a:t>
+            </a:r>
+          </a:p>
+        </p:txBody>
+      </p:sp>
+      <p:sp>
+        <p:nvSpPr>
+          <p:cNvPr id="3" name="Content Placeholder 2"/>
+          <p:cNvSpPr>
+            <a:spLocks noGrp="1"/>
+          </p:cNvSpPr>
+          <p:nvPr>
+            <p:ph idx="1"/>
+          </p:nvPr>
+        </p:nvSpPr>
+        <p:spPr/>
+        <p:txBody>
+          <a:bodyPr/>
+          <a:lstStyle/>
+          <a:p>
+            <a:r>
               <a:rPr lang="en-US" dirty="0" smtClean="0"/>
-              <a:t>Client Logic</a:t>
-            </a:r>
-            <a:endParaRPr lang="en-US" dirty="0"/>
-          </a:p>
-        </p:txBody>
-      </p:sp>
-      <p:pic>
-        <p:nvPicPr>
-          <p:cNvPr id="4" name="Content Placeholder 3"/>
-          <p:cNvPicPr>
-            <a:picLocks noGrp="1" noChangeAspect="1"/>
-          </p:cNvPicPr>
-          <p:nvPr>
-            <p:ph idx="1"/>
-          </p:nvPr>
-        </p:nvPicPr>
-        <p:blipFill>
-          <a:blip r:embed="rId2">
-            <a:extLst>
-              <a:ext uri="{28A0092B-C50C-407E-A947-70E740481C1C}">
-                <a14:useLocalDpi xmlns:a14="http://schemas.microsoft.com/office/drawing/2010/main" val="0"/>
-              </a:ext>
-            </a:extLst>
-          </a:blip>
-          <a:stretch>
-            <a:fillRect/>
-          </a:stretch>
-        </p:blipFill>
-        <p:spPr>
-          <a:xfrm>
-            <a:off x="2661675" y="1513609"/>
-            <a:ext cx="6858000" cy="5209443"/>
-          </a:xfrm>
-        </p:spPr>
-      </p:pic>
+              <a:t>Server Module</a:t>
+            </a:r>
+          </a:p>
+          <a:p>
+            <a:r>
+              <a:rPr lang="en-US" dirty="0" smtClean="0"/>
+              <a:t>Game Engine Modules</a:t>
+            </a:r>
+          </a:p>
+          <a:p>
+            <a:r>
+              <a:rPr lang="en-US" dirty="0" smtClean="0"/>
+              <a:t>Client Modules</a:t>
+            </a:r>
+          </a:p>
+          <a:p>
+            <a:endParaRPr lang="en-US" dirty="0"/>
+          </a:p>
+        </p:txBody>
+      </p:sp>
     </p:spTree>
     <p:extLst>
       <p:ext uri="{BB962C8B-B14F-4D97-AF65-F5344CB8AC3E}">
-        <p14:creationId xmlns:p14="http://schemas.microsoft.com/office/powerpoint/2010/main" val="366067071"/>
+        <p14:creationId xmlns:p14="http://schemas.microsoft.com/office/powerpoint/2010/main" val="3992190863"/>
       </p:ext>
     </p:extLst>
   </p:cSld>
   <p:clrMapOvr>
     <a:masterClrMapping/>
   </p:clrMapOvr>
+  <p:timing>
+    <p:tnLst>
+      <p:par>
+        <p:cTn id="1" dur="indefinite" restart="never" nodeType="tmRoot"/>
+      </p:par>
+    </p:tnLst>
+  </p:timing>
 </p:sld>
 </file>
 
@@ -7006,52 +8678,137 @@
           <a:lstStyle/>
           <a:p>
             <a:r>
+              <a:rPr lang="en-US" dirty="0"/>
+              <a:t>Platform Independence</a:t>
+            </a:r>
+          </a:p>
+        </p:txBody>
+      </p:sp>
+      <p:sp>
+        <p:nvSpPr>
+          <p:cNvPr id="3" name="Content Placeholder 2"/>
+          <p:cNvSpPr>
+            <a:spLocks noGrp="1"/>
+          </p:cNvSpPr>
+          <p:nvPr>
+            <p:ph idx="1"/>
+          </p:nvPr>
+        </p:nvSpPr>
+        <p:spPr/>
+        <p:txBody>
+          <a:bodyPr>
+            <a:normAutofit fontScale="92500" lnSpcReduction="10000"/>
+          </a:bodyPr>
+          <a:lstStyle/>
+          <a:p>
+            <a:r>
               <a:rPr lang="en-US" dirty="0" smtClean="0"/>
-              <a:t>Server Logic</a:t>
-            </a:r>
-            <a:endParaRPr lang="en-US" dirty="0"/>
-          </a:p>
-        </p:txBody>
-      </p:sp>
-      <p:pic>
-        <p:nvPicPr>
-          <p:cNvPr id="4" name="Content Placeholder 3"/>
-          <p:cNvPicPr>
-            <a:picLocks noGrp="1" noChangeAspect="1"/>
-          </p:cNvPicPr>
-          <p:nvPr>
-            <p:ph idx="1"/>
-          </p:nvPr>
-        </p:nvPicPr>
-        <p:blipFill>
-          <a:blip r:embed="rId2">
-            <a:extLst>
-              <a:ext uri="{28A0092B-C50C-407E-A947-70E740481C1C}">
-                <a14:useLocalDpi xmlns:a14="http://schemas.microsoft.com/office/drawing/2010/main" val="0"/>
-              </a:ext>
-            </a:extLst>
-          </a:blip>
-          <a:stretch>
-            <a:fillRect/>
-          </a:stretch>
-        </p:blipFill>
-        <p:spPr>
-          <a:xfrm>
-            <a:off x="2661675" y="1513610"/>
-            <a:ext cx="6858000" cy="5209443"/>
-          </a:xfrm>
-        </p:spPr>
-      </p:pic>
+              <a:t>Server runs anywhere</a:t>
+            </a:r>
+          </a:p>
+          <a:p>
+            <a:pPr lvl="1"/>
+            <a:r>
+              <a:rPr lang="en-US" dirty="0" smtClean="0"/>
+              <a:t>Python</a:t>
+            </a:r>
+          </a:p>
+          <a:p>
+            <a:r>
+              <a:rPr lang="en-US" dirty="0" smtClean="0"/>
+              <a:t>Game Engine can </a:t>
+            </a:r>
+            <a:r>
+              <a:rPr lang="en-US" dirty="0"/>
+              <a:t>run </a:t>
+            </a:r>
+            <a:r>
+              <a:rPr lang="en-US" dirty="0" smtClean="0"/>
+              <a:t>anywhere</a:t>
+            </a:r>
+          </a:p>
+          <a:p>
+            <a:pPr lvl="1"/>
+            <a:r>
+              <a:rPr lang="en-US" dirty="0"/>
+              <a:t>Python</a:t>
+            </a:r>
+            <a:endParaRPr lang="en-US" dirty="0" smtClean="0"/>
+          </a:p>
+          <a:p>
+            <a:r>
+              <a:rPr lang="en-US" dirty="0" smtClean="0"/>
+              <a:t>Clients can run anywhere </a:t>
+            </a:r>
+          </a:p>
+          <a:p>
+            <a:pPr lvl="1"/>
+            <a:r>
+              <a:rPr lang="en-US" dirty="0" smtClean="0"/>
+              <a:t>JavaScript</a:t>
+            </a:r>
+          </a:p>
+          <a:p>
+            <a:pPr lvl="1"/>
+            <a:r>
+              <a:rPr lang="en-US" dirty="0"/>
+              <a:t>Responsive Web </a:t>
+            </a:r>
+            <a:r>
+              <a:rPr lang="en-US" dirty="0" smtClean="0"/>
+              <a:t>Design</a:t>
+            </a:r>
+          </a:p>
+          <a:p>
+            <a:r>
+              <a:rPr lang="en-US" dirty="0"/>
+              <a:t>Clients can </a:t>
+            </a:r>
+            <a:r>
+              <a:rPr lang="en-US" dirty="0" smtClean="0"/>
+              <a:t>run in any language</a:t>
+            </a:r>
+          </a:p>
+          <a:p>
+            <a:pPr lvl="1"/>
+            <a:r>
+              <a:rPr lang="en-US" dirty="0" smtClean="0"/>
+              <a:t>C#, JavaScript, </a:t>
+            </a:r>
+            <a:r>
+              <a:rPr lang="en-US" dirty="0" err="1" smtClean="0"/>
+              <a:t>etc</a:t>
+            </a:r>
+            <a:r>
+              <a:rPr lang="en-US" dirty="0" smtClean="0"/>
+              <a:t> . . .</a:t>
+            </a:r>
+          </a:p>
+          <a:p>
+            <a:endParaRPr lang="en-US" dirty="0" smtClean="0"/>
+          </a:p>
+          <a:p>
+            <a:endParaRPr lang="en-US" dirty="0"/>
+          </a:p>
+        </p:txBody>
+      </p:sp>
     </p:spTree>
     <p:extLst>
       <p:ext uri="{BB962C8B-B14F-4D97-AF65-F5344CB8AC3E}">
-        <p14:creationId xmlns:p14="http://schemas.microsoft.com/office/powerpoint/2010/main" val="2315461344"/>
+        <p14:creationId xmlns:p14="http://schemas.microsoft.com/office/powerpoint/2010/main" val="50217849"/>
       </p:ext>
     </p:extLst>
   </p:cSld>
   <p:clrMapOvr>
     <a:masterClrMapping/>
   </p:clrMapOvr>
+  <p:timing>
+    <p:tnLst>
+      <p:par>
+        <p:cTn id="1" dur="indefinite" restart="never" nodeType="tmRoot"/>
+      </p:par>
+    </p:tnLst>
+  </p:timing>
 </p:sld>
 </file>
 
@@ -7088,52 +8845,141 @@
           <a:lstStyle/>
           <a:p>
             <a:r>
+              <a:rPr lang="en-US" dirty="0"/>
+              <a:t>Network Protocol Independence </a:t>
+            </a:r>
+          </a:p>
+        </p:txBody>
+      </p:sp>
+      <p:sp>
+        <p:nvSpPr>
+          <p:cNvPr id="3" name="Content Placeholder 2"/>
+          <p:cNvSpPr>
+            <a:spLocks noGrp="1"/>
+          </p:cNvSpPr>
+          <p:nvPr>
+            <p:ph idx="1"/>
+          </p:nvPr>
+        </p:nvSpPr>
+        <p:spPr/>
+        <p:txBody>
+          <a:bodyPr>
+            <a:normAutofit/>
+          </a:bodyPr>
+          <a:lstStyle/>
+          <a:p>
+            <a:r>
               <a:rPr lang="en-US" dirty="0" smtClean="0"/>
-              <a:t>Game Engine Logic</a:t>
-            </a:r>
-            <a:endParaRPr lang="en-US" dirty="0"/>
-          </a:p>
-        </p:txBody>
-      </p:sp>
-      <p:pic>
-        <p:nvPicPr>
-          <p:cNvPr id="4" name="Content Placeholder 3"/>
-          <p:cNvPicPr>
-            <a:picLocks noGrp="1" noChangeAspect="1"/>
-          </p:cNvPicPr>
-          <p:nvPr>
-            <p:ph idx="1"/>
-          </p:nvPr>
-        </p:nvPicPr>
-        <p:blipFill>
-          <a:blip r:embed="rId2">
-            <a:extLst>
-              <a:ext uri="{28A0092B-C50C-407E-A947-70E740481C1C}">
-                <a14:useLocalDpi xmlns:a14="http://schemas.microsoft.com/office/drawing/2010/main" val="0"/>
-              </a:ext>
-            </a:extLst>
-          </a:blip>
-          <a:stretch>
-            <a:fillRect/>
-          </a:stretch>
-        </p:blipFill>
-        <p:spPr>
-          <a:xfrm>
-            <a:off x="2661675" y="1520344"/>
-            <a:ext cx="6858000" cy="5209443"/>
-          </a:xfrm>
-        </p:spPr>
-      </p:pic>
+              <a:t>Universal Data Format</a:t>
+            </a:r>
+          </a:p>
+          <a:p>
+            <a:pPr lvl="1"/>
+            <a:r>
+              <a:rPr lang="en-US" dirty="0" smtClean="0"/>
+              <a:t>JSON</a:t>
+            </a:r>
+          </a:p>
+          <a:p>
+            <a:r>
+              <a:rPr lang="en-US" dirty="0" smtClean="0"/>
+              <a:t>The Server Communicate </a:t>
+            </a:r>
+            <a:r>
+              <a:rPr lang="en-US" dirty="0"/>
+              <a:t>over </a:t>
+            </a:r>
+            <a:r>
+              <a:rPr lang="en-US" dirty="0" smtClean="0"/>
+              <a:t>Multiple Network Protocols</a:t>
+            </a:r>
+          </a:p>
+          <a:p>
+            <a:pPr lvl="1"/>
+            <a:r>
+              <a:rPr lang="en-US" dirty="0" smtClean="0"/>
+              <a:t>HTTP and </a:t>
+            </a:r>
+            <a:r>
+              <a:rPr lang="en-US" dirty="0" err="1" smtClean="0"/>
+              <a:t>WebSockets</a:t>
+            </a:r>
+            <a:endParaRPr lang="en-US" dirty="0"/>
+          </a:p>
+          <a:p>
+            <a:r>
+              <a:rPr lang="en-US" dirty="0" smtClean="0"/>
+              <a:t>Game Engine Communicate </a:t>
+            </a:r>
+            <a:r>
+              <a:rPr lang="en-US" dirty="0"/>
+              <a:t>over </a:t>
+            </a:r>
+            <a:r>
+              <a:rPr lang="en-US" dirty="0" smtClean="0"/>
+              <a:t>Multiple Network Protocols</a:t>
+            </a:r>
+          </a:p>
+          <a:p>
+            <a:pPr lvl="1"/>
+            <a:r>
+              <a:rPr lang="en-US" dirty="0" smtClean="0"/>
+              <a:t>HTTP and </a:t>
+            </a:r>
+            <a:r>
+              <a:rPr lang="en-US" dirty="0" err="1" smtClean="0"/>
+              <a:t>WebSockets</a:t>
+            </a:r>
+            <a:endParaRPr lang="en-US" b="1" dirty="0"/>
+          </a:p>
+          <a:p>
+            <a:r>
+              <a:rPr lang="en-US" dirty="0" smtClean="0"/>
+              <a:t>Clients Communicate </a:t>
+            </a:r>
+            <a:r>
+              <a:rPr lang="en-US" dirty="0"/>
+              <a:t>over </a:t>
+            </a:r>
+            <a:r>
+              <a:rPr lang="en-US" dirty="0" smtClean="0"/>
+              <a:t>Multiple Network Protocols</a:t>
+            </a:r>
+          </a:p>
+          <a:p>
+            <a:pPr lvl="1"/>
+            <a:r>
+              <a:rPr lang="en-US" dirty="0" smtClean="0"/>
+              <a:t>HTTP and/or </a:t>
+            </a:r>
+            <a:r>
+              <a:rPr lang="en-US" dirty="0" err="1" smtClean="0"/>
+              <a:t>WebSockets</a:t>
+            </a:r>
+            <a:endParaRPr lang="en-US" dirty="0"/>
+          </a:p>
+          <a:p>
+            <a:endParaRPr lang="en-US" dirty="0"/>
+          </a:p>
+        </p:txBody>
+      </p:sp>
     </p:spTree>
     <p:extLst>
       <p:ext uri="{BB962C8B-B14F-4D97-AF65-F5344CB8AC3E}">
-        <p14:creationId xmlns:p14="http://schemas.microsoft.com/office/powerpoint/2010/main" val="2431438588"/>
+        <p14:creationId xmlns:p14="http://schemas.microsoft.com/office/powerpoint/2010/main" val="3785235636"/>
       </p:ext>
     </p:extLst>
   </p:cSld>
   <p:clrMapOvr>
     <a:masterClrMapping/>
   </p:clrMapOvr>
+  <p:timing>
+    <p:tnLst>
+      <p:par>
+        <p:cTn id="1" dur="indefinite" restart="never" nodeType="tmRoot"/>
+      </p:par>
+    </p:tnLst>
+  </p:timing>
 </p:sld>
 </file>
 
@@ -7166,56 +9012,82 @@
         </p:nvSpPr>
         <p:spPr/>
         <p:txBody>
+          <a:bodyPr>
+            <a:normAutofit/>
+          </a:bodyPr>
+          <a:lstStyle/>
+          <a:p>
+            <a:r>
+              <a:rPr lang="en-US" sz="2800" dirty="0"/>
+              <a:t>Abstraction of Networking and </a:t>
+            </a:r>
+            <a:r>
+              <a:rPr lang="en-US" sz="2800" dirty="0" smtClean="0"/>
+              <a:t>Storage</a:t>
+            </a:r>
+            <a:endParaRPr lang="en-US" sz="2800" dirty="0"/>
+          </a:p>
+        </p:txBody>
+      </p:sp>
+      <p:sp>
+        <p:nvSpPr>
+          <p:cNvPr id="3" name="Content Placeholder 2"/>
+          <p:cNvSpPr>
+            <a:spLocks noGrp="1"/>
+          </p:cNvSpPr>
+          <p:nvPr>
+            <p:ph idx="1"/>
+          </p:nvPr>
+        </p:nvSpPr>
+        <p:spPr/>
+        <p:txBody>
           <a:bodyPr/>
           <a:lstStyle/>
           <a:p>
             <a:r>
               <a:rPr lang="en-US" dirty="0" smtClean="0"/>
-              <a:t>Server - Game Engine Dialogue</a:t>
-            </a:r>
-            <a:endParaRPr lang="en-US" dirty="0"/>
-          </a:p>
-        </p:txBody>
-      </p:sp>
-      <p:pic>
-        <p:nvPicPr>
-          <p:cNvPr id="4" name="Content Placeholder 3"/>
-          <p:cNvPicPr>
-            <a:picLocks noGrp="1" noChangeAspect="1"/>
-          </p:cNvPicPr>
-          <p:nvPr>
-            <p:ph idx="1"/>
-          </p:nvPr>
-        </p:nvPicPr>
-        <p:blipFill>
-          <a:blip r:embed="rId2">
-            <a:extLst>
-              <a:ext uri="{28A0092B-C50C-407E-A947-70E740481C1C}">
-                <a14:useLocalDpi xmlns:a14="http://schemas.microsoft.com/office/drawing/2010/main" val="0"/>
-              </a:ext>
-            </a:extLst>
-          </a:blip>
-          <a:stretch>
-            <a:fillRect/>
-          </a:stretch>
-        </p:blipFill>
-        <p:spPr>
-          <a:xfrm>
-            <a:off x="3804675" y="1596737"/>
-            <a:ext cx="4572000" cy="2857500"/>
-          </a:xfrm>
-        </p:spPr>
-      </p:pic>
+              <a:t>Get Game Updates</a:t>
+            </a:r>
+          </a:p>
+          <a:p>
+            <a:r>
+              <a:rPr lang="en-US" dirty="0" smtClean="0"/>
+              <a:t>Process </a:t>
+            </a:r>
+            <a:r>
+              <a:rPr lang="en-US" dirty="0"/>
+              <a:t>Game </a:t>
+            </a:r>
+            <a:r>
+              <a:rPr lang="en-US" dirty="0" smtClean="0"/>
+              <a:t>Updates</a:t>
+            </a:r>
+          </a:p>
+          <a:p>
+            <a:r>
+              <a:rPr lang="en-US" dirty="0" smtClean="0"/>
+              <a:t>Issue Game Commands</a:t>
+            </a:r>
+          </a:p>
+        </p:txBody>
+      </p:sp>
     </p:spTree>
     <p:extLst>
       <p:ext uri="{BB962C8B-B14F-4D97-AF65-F5344CB8AC3E}">
-        <p14:creationId xmlns:p14="http://schemas.microsoft.com/office/powerpoint/2010/main" val="397282428"/>
+        <p14:creationId xmlns:p14="http://schemas.microsoft.com/office/powerpoint/2010/main" val="812275381"/>
       </p:ext>
     </p:extLst>
   </p:cSld>
   <p:clrMapOvr>
     <a:masterClrMapping/>
   </p:clrMapOvr>
+  <p:timing>
+    <p:tnLst>
+      <p:par>
+        <p:cTn id="1" dur="indefinite" restart="never" nodeType="tmRoot"/>
+      </p:par>
+    </p:tnLst>
+  </p:timing>
 </p:sld>
 </file>
 
@@ -7252,55 +9124,180 @@
           <a:lstStyle/>
           <a:p>
             <a:r>
-              <a:rPr lang="en-US" dirty="0" smtClean="0"/>
-              <a:t>Client - Server </a:t>
-            </a:r>
-            <a:r>
               <a:rPr lang="en-US" dirty="0"/>
-              <a:t>Dialogue</a:t>
-            </a:r>
-          </a:p>
-        </p:txBody>
-      </p:sp>
-      <p:pic>
-        <p:nvPicPr>
-          <p:cNvPr id="4" name="Content Placeholder 3"/>
-          <p:cNvPicPr>
-            <a:picLocks noGrp="1" noChangeAspect="1"/>
-          </p:cNvPicPr>
+              <a:t>Excellent Documentation</a:t>
+            </a:r>
+          </a:p>
+        </p:txBody>
+      </p:sp>
+      <p:sp>
+        <p:nvSpPr>
+          <p:cNvPr id="3" name="Content Placeholder 2"/>
+          <p:cNvSpPr>
+            <a:spLocks noGrp="1"/>
+          </p:cNvSpPr>
           <p:nvPr>
             <p:ph idx="1"/>
           </p:nvPr>
-        </p:nvPicPr>
-        <p:blipFill>
-          <a:blip r:embed="rId2">
-            <a:extLst>
-              <a:ext uri="{28A0092B-C50C-407E-A947-70E740481C1C}">
-                <a14:useLocalDpi xmlns:a14="http://schemas.microsoft.com/office/drawing/2010/main" val="0"/>
-              </a:ext>
-            </a:extLst>
-          </a:blip>
-          <a:stretch>
-            <a:fillRect/>
-          </a:stretch>
-        </p:blipFill>
-        <p:spPr>
-          <a:xfrm>
-            <a:off x="3804675" y="1596735"/>
-            <a:ext cx="4572000" cy="4000500"/>
-          </a:xfrm>
-        </p:spPr>
-      </p:pic>
+        </p:nvSpPr>
+        <p:spPr/>
+        <p:txBody>
+          <a:bodyPr>
+            <a:normAutofit/>
+          </a:bodyPr>
+          <a:lstStyle/>
+          <a:p>
+            <a:pPr marL="0" indent="0">
+              <a:buNone/>
+            </a:pPr>
+            <a:r>
+              <a:rPr lang="en-US" sz="2400" dirty="0" smtClean="0">
+                <a:latin typeface="Segoe UI" panose="020B0502040204020203" pitchFamily="34" charset="0"/>
+                <a:ea typeface="Segoe UI" panose="020B0502040204020203" pitchFamily="34" charset="0"/>
+                <a:cs typeface="Segoe UI" panose="020B0502040204020203" pitchFamily="34" charset="0"/>
+              </a:rPr>
+              <a:t>The Role of Software Documentation:</a:t>
+            </a:r>
+          </a:p>
+          <a:p>
+            <a:r>
+              <a:rPr lang="en-US" sz="2400" dirty="0" smtClean="0">
+                <a:latin typeface="Segoe UI" panose="020B0502040204020203" pitchFamily="34" charset="0"/>
+                <a:ea typeface="Segoe UI" panose="020B0502040204020203" pitchFamily="34" charset="0"/>
+                <a:cs typeface="Segoe UI" panose="020B0502040204020203" pitchFamily="34" charset="0"/>
+              </a:rPr>
+              <a:t>To </a:t>
+            </a:r>
+            <a:r>
+              <a:rPr lang="en-US" sz="2400" dirty="0">
+                <a:latin typeface="Segoe UI" panose="020B0502040204020203" pitchFamily="34" charset="0"/>
+                <a:ea typeface="Segoe UI" panose="020B0502040204020203" pitchFamily="34" charset="0"/>
+                <a:cs typeface="Segoe UI" panose="020B0502040204020203" pitchFamily="34" charset="0"/>
+              </a:rPr>
+              <a:t>facilitate program </a:t>
+            </a:r>
+            <a:r>
+              <a:rPr lang="en-US" sz="2400" dirty="0" smtClean="0">
+                <a:latin typeface="Segoe UI" panose="020B0502040204020203" pitchFamily="34" charset="0"/>
+                <a:ea typeface="Segoe UI" panose="020B0502040204020203" pitchFamily="34" charset="0"/>
+                <a:cs typeface="Segoe UI" panose="020B0502040204020203" pitchFamily="34" charset="0"/>
+              </a:rPr>
+              <a:t>comprehension</a:t>
+            </a:r>
+          </a:p>
+          <a:p>
+            <a:r>
+              <a:rPr lang="en-US" sz="2400" dirty="0" smtClean="0">
+                <a:latin typeface="Segoe UI" panose="020B0502040204020203" pitchFamily="34" charset="0"/>
+                <a:ea typeface="Segoe UI" panose="020B0502040204020203" pitchFamily="34" charset="0"/>
+                <a:cs typeface="Segoe UI" panose="020B0502040204020203" pitchFamily="34" charset="0"/>
+              </a:rPr>
+              <a:t>To </a:t>
+            </a:r>
+            <a:r>
+              <a:rPr lang="en-US" sz="2400" dirty="0">
+                <a:latin typeface="Segoe UI" panose="020B0502040204020203" pitchFamily="34" charset="0"/>
+                <a:ea typeface="Segoe UI" panose="020B0502040204020203" pitchFamily="34" charset="0"/>
+                <a:cs typeface="Segoe UI" panose="020B0502040204020203" pitchFamily="34" charset="0"/>
+              </a:rPr>
+              <a:t>act as a guide to the </a:t>
+            </a:r>
+            <a:r>
+              <a:rPr lang="en-US" sz="2400" dirty="0" smtClean="0">
+                <a:latin typeface="Segoe UI" panose="020B0502040204020203" pitchFamily="34" charset="0"/>
+                <a:ea typeface="Segoe UI" panose="020B0502040204020203" pitchFamily="34" charset="0"/>
+                <a:cs typeface="Segoe UI" panose="020B0502040204020203" pitchFamily="34" charset="0"/>
+              </a:rPr>
+              <a:t>user</a:t>
+            </a:r>
+          </a:p>
+          <a:p>
+            <a:r>
+              <a:rPr lang="en-US" sz="2400" dirty="0" smtClean="0">
+                <a:latin typeface="Segoe UI" panose="020B0502040204020203" pitchFamily="34" charset="0"/>
+                <a:ea typeface="Segoe UI" panose="020B0502040204020203" pitchFamily="34" charset="0"/>
+                <a:cs typeface="Segoe UI" panose="020B0502040204020203" pitchFamily="34" charset="0"/>
+              </a:rPr>
+              <a:t>To </a:t>
+            </a:r>
+            <a:r>
+              <a:rPr lang="en-US" sz="2400" dirty="0">
+                <a:latin typeface="Segoe UI" panose="020B0502040204020203" pitchFamily="34" charset="0"/>
+                <a:ea typeface="Segoe UI" panose="020B0502040204020203" pitchFamily="34" charset="0"/>
+                <a:cs typeface="Segoe UI" panose="020B0502040204020203" pitchFamily="34" charset="0"/>
+              </a:rPr>
+              <a:t>complement the </a:t>
+            </a:r>
+            <a:r>
+              <a:rPr lang="en-US" sz="2400" dirty="0" smtClean="0">
+                <a:latin typeface="Segoe UI" panose="020B0502040204020203" pitchFamily="34" charset="0"/>
+                <a:ea typeface="Segoe UI" panose="020B0502040204020203" pitchFamily="34" charset="0"/>
+                <a:cs typeface="Segoe UI" panose="020B0502040204020203" pitchFamily="34" charset="0"/>
+              </a:rPr>
+              <a:t>system</a:t>
+            </a:r>
+          </a:p>
+          <a:p>
+            <a:endParaRPr lang="en-US" dirty="0"/>
+          </a:p>
+          <a:p>
+            <a:pPr marL="0" indent="0">
+              <a:buNone/>
+            </a:pPr>
+            <a:r>
+              <a:rPr lang="en-US" dirty="0">
+                <a:effectLst/>
+                <a:latin typeface="Segoe UI" panose="020B0502040204020203" pitchFamily="34" charset="0"/>
+                <a:ea typeface="Segoe UI" panose="020B0502040204020203" pitchFamily="34" charset="0"/>
+                <a:cs typeface="Segoe UI" panose="020B0502040204020203" pitchFamily="34" charset="0"/>
+              </a:rPr>
+              <a:t>Penny Grubb and Armstrong </a:t>
+            </a:r>
+            <a:r>
+              <a:rPr lang="en-US" dirty="0" err="1">
+                <a:effectLst/>
+                <a:latin typeface="Segoe UI" panose="020B0502040204020203" pitchFamily="34" charset="0"/>
+                <a:ea typeface="Segoe UI" panose="020B0502040204020203" pitchFamily="34" charset="0"/>
+                <a:cs typeface="Segoe UI" panose="020B0502040204020203" pitchFamily="34" charset="0"/>
+              </a:rPr>
+              <a:t>Takang</a:t>
+            </a:r>
+            <a:r>
+              <a:rPr lang="en-US" dirty="0">
+                <a:effectLst/>
+                <a:latin typeface="Segoe UI" panose="020B0502040204020203" pitchFamily="34" charset="0"/>
+                <a:ea typeface="Segoe UI" panose="020B0502040204020203" pitchFamily="34" charset="0"/>
+                <a:cs typeface="Segoe UI" panose="020B0502040204020203" pitchFamily="34" charset="0"/>
+              </a:rPr>
+              <a:t>. Software Maintenance: Concepts and Practice</a:t>
+            </a:r>
+            <a:endParaRPr lang="en-US" dirty="0"/>
+          </a:p>
+          <a:p>
+            <a:endParaRPr lang="en-US" dirty="0"/>
+          </a:p>
+          <a:p>
+            <a:endParaRPr lang="en-US" dirty="0"/>
+          </a:p>
+        </p:txBody>
+      </p:sp>
     </p:spTree>
     <p:extLst>
       <p:ext uri="{BB962C8B-B14F-4D97-AF65-F5344CB8AC3E}">
-        <p14:creationId xmlns:p14="http://schemas.microsoft.com/office/powerpoint/2010/main" val="2389803821"/>
+        <p14:creationId xmlns:p14="http://schemas.microsoft.com/office/powerpoint/2010/main" val="882261067"/>
       </p:ext>
     </p:extLst>
   </p:cSld>
   <p:clrMapOvr>
     <a:masterClrMapping/>
   </p:clrMapOvr>
+  <p:timing>
+    <p:tnLst>
+      <p:par>
+        <p:cTn id="1" dur="indefinite" restart="never" nodeType="tmRoot"/>
+      </p:par>
+    </p:tnLst>
+  </p:timing>
 </p:sld>
 </file>
 
@@ -7338,58 +9335,74 @@
           <a:p>
             <a:r>
               <a:rPr lang="en-US" dirty="0"/>
-              <a:t>Client</a:t>
-            </a:r>
+              <a:t>Excellent Documentation</a:t>
+            </a:r>
+          </a:p>
+        </p:txBody>
+      </p:sp>
+      <p:sp>
+        <p:nvSpPr>
+          <p:cNvPr id="3" name="Content Placeholder 2"/>
+          <p:cNvSpPr>
+            <a:spLocks noGrp="1"/>
+          </p:cNvSpPr>
+          <p:nvPr>
+            <p:ph idx="1"/>
+          </p:nvPr>
+        </p:nvSpPr>
+        <p:spPr/>
+        <p:txBody>
+          <a:bodyPr/>
+          <a:lstStyle/>
+          <a:p>
             <a:r>
               <a:rPr lang="en-US" dirty="0" smtClean="0"/>
-              <a:t> - Game </a:t>
-            </a:r>
-            <a:r>
-              <a:rPr lang="en-US" dirty="0"/>
-              <a:t>Engine Dialogue</a:t>
-            </a:r>
-          </a:p>
-        </p:txBody>
-      </p:sp>
-      <p:pic>
-        <p:nvPicPr>
-          <p:cNvPr id="4" name="Content Placeholder 3"/>
-          <p:cNvPicPr>
-            <a:picLocks noGrp="1" noChangeAspect="1"/>
-          </p:cNvPicPr>
-          <p:nvPr>
-            <p:ph idx="1"/>
-          </p:nvPr>
-        </p:nvPicPr>
-        <p:blipFill>
-          <a:blip r:embed="rId2">
-            <a:extLst>
-              <a:ext uri="{28A0092B-C50C-407E-A947-70E740481C1C}">
-                <a14:useLocalDpi xmlns:a14="http://schemas.microsoft.com/office/drawing/2010/main" val="0"/>
-              </a:ext>
-            </a:extLst>
-          </a:blip>
-          <a:stretch>
-            <a:fillRect/>
-          </a:stretch>
-        </p:blipFill>
-        <p:spPr>
-          <a:xfrm>
-            <a:off x="3804675" y="1596737"/>
-            <a:ext cx="4572000" cy="5143501"/>
-          </a:xfrm>
-        </p:spPr>
-      </p:pic>
+              <a:t>JSON Objects</a:t>
+            </a:r>
+          </a:p>
+          <a:p>
+            <a:r>
+              <a:rPr lang="en-US" dirty="0" smtClean="0"/>
+              <a:t>JSON Messages</a:t>
+            </a:r>
+          </a:p>
+          <a:p>
+            <a:r>
+              <a:rPr lang="en-US" dirty="0" smtClean="0"/>
+              <a:t>Logic Diagrams</a:t>
+            </a:r>
+          </a:p>
+          <a:p>
+            <a:r>
+              <a:rPr lang="en-US" dirty="0" smtClean="0"/>
+              <a:t>Protocol Dialogue Diagrams</a:t>
+            </a:r>
+          </a:p>
+          <a:p>
+            <a:endParaRPr lang="en-US" dirty="0" smtClean="0"/>
+          </a:p>
+          <a:p>
+            <a:endParaRPr lang="en-US" dirty="0"/>
+          </a:p>
+        </p:txBody>
+      </p:sp>
     </p:spTree>
     <p:extLst>
       <p:ext uri="{BB962C8B-B14F-4D97-AF65-F5344CB8AC3E}">
-        <p14:creationId xmlns:p14="http://schemas.microsoft.com/office/powerpoint/2010/main" val="1300167002"/>
+        <p14:creationId xmlns:p14="http://schemas.microsoft.com/office/powerpoint/2010/main" val="2971212682"/>
       </p:ext>
     </p:extLst>
   </p:cSld>
   <p:clrMapOvr>
     <a:masterClrMapping/>
   </p:clrMapOvr>
+  <p:timing>
+    <p:tnLst>
+      <p:par>
+        <p:cTn id="1" dur="indefinite" restart="never" nodeType="tmRoot"/>
+      </p:par>
+    </p:tnLst>
+  </p:timing>
 </p:sld>
 </file>
 
